--- a/卒業論文/2012/清水竜吾/卒業論文発表資料.pptx
+++ b/卒業論文/2012/清水竜吾/卒業論文発表資料.pptx
@@ -5,7 +5,7 @@
     <p:sldMasterId id="2147483648" r:id="rId1"/>
   </p:sldMasterIdLst>
   <p:notesMasterIdLst>
-    <p:notesMasterId r:id="rId16"/>
+    <p:notesMasterId r:id="rId24"/>
   </p:notesMasterIdLst>
   <p:sldIdLst>
     <p:sldId id="259" r:id="rId2"/>
@@ -19,9 +19,17 @@
     <p:sldId id="272" r:id="rId10"/>
     <p:sldId id="273" r:id="rId11"/>
     <p:sldId id="274" r:id="rId12"/>
-    <p:sldId id="284" r:id="rId13"/>
-    <p:sldId id="281" r:id="rId14"/>
+    <p:sldId id="281" r:id="rId13"/>
+    <p:sldId id="284" r:id="rId14"/>
     <p:sldId id="287" r:id="rId15"/>
+    <p:sldId id="289" r:id="rId16"/>
+    <p:sldId id="290" r:id="rId17"/>
+    <p:sldId id="291" r:id="rId18"/>
+    <p:sldId id="292" r:id="rId19"/>
+    <p:sldId id="293" r:id="rId20"/>
+    <p:sldId id="294" r:id="rId21"/>
+    <p:sldId id="295" r:id="rId22"/>
+    <p:sldId id="296" r:id="rId23"/>
   </p:sldIdLst>
   <p:sldSz cx="9144000" cy="6858000" type="screen4x3"/>
   <p:notesSz cx="6858000" cy="9144000"/>
@@ -136,9 +144,17 @@
             <p14:sldId id="272"/>
             <p14:sldId id="273"/>
             <p14:sldId id="274"/>
+            <p14:sldId id="281"/>
             <p14:sldId id="284"/>
-            <p14:sldId id="281"/>
             <p14:sldId id="287"/>
+            <p14:sldId id="289"/>
+            <p14:sldId id="290"/>
+            <p14:sldId id="291"/>
+            <p14:sldId id="292"/>
+            <p14:sldId id="293"/>
+            <p14:sldId id="294"/>
+            <p14:sldId id="295"/>
+            <p14:sldId id="296"/>
           </p14:sldIdLst>
         </p14:section>
       </p14:sectionLst>
@@ -6994,47 +7010,6 @@
           <a:chExt cx="0" cy="0"/>
         </a:xfrm>
       </p:grpSpPr>
-      <p:pic>
-        <p:nvPicPr>
-          <p:cNvPr id="3074" name="Picture 2" descr="Z:\GitHub\yabukilab\卒業論文\2012\清水竜吾\別途資料\コミットごとの行数\IMG\グループ分け\grunt-lines.png"/>
-          <p:cNvPicPr>
-            <a:picLocks noChangeAspect="1" noChangeArrowheads="1"/>
-          </p:cNvPicPr>
-          <p:nvPr/>
-        </p:nvPicPr>
-        <p:blipFill>
-          <a:blip r:embed="rId2" cstate="email">
-            <a:extLst>
-              <a:ext uri="{28A0092B-C50C-407E-A947-70E740481C1C}">
-                <a14:useLocalDpi xmlns:a14="http://schemas.microsoft.com/office/drawing/2010/main" val="0"/>
-              </a:ext>
-            </a:extLst>
-          </a:blip>
-          <a:srcRect/>
-          <a:stretch>
-            <a:fillRect/>
-          </a:stretch>
-        </p:blipFill>
-        <p:spPr bwMode="auto">
-          <a:xfrm>
-            <a:off x="971550" y="1800000"/>
-            <a:ext cx="7200900" cy="4500563"/>
-          </a:xfrm>
-          <a:prstGeom prst="rect">
-            <a:avLst/>
-          </a:prstGeom>
-          <a:noFill/>
-          <a:extLst>
-            <a:ext uri="{909E8E84-426E-40DD-AFC4-6F175D3DCCD1}">
-              <a14:hiddenFill xmlns:a14="http://schemas.microsoft.com/office/drawing/2010/main">
-                <a:solidFill>
-                  <a:srgbClr val="FFFFFF"/>
-                </a:solidFill>
-              </a14:hiddenFill>
-            </a:ext>
-          </a:extLst>
-        </p:spPr>
-      </p:pic>
       <p:sp>
         <p:nvSpPr>
           <p:cNvPr id="4" name="日付プレースホルダー 3"/>
@@ -7143,8 +7118,8 @@
           </a:lstStyle>
           <a:p>
             <a:r>
-              <a:rPr kumimoji="1" lang="ja-JP" altLang="en-US" sz="3200" b="1" dirty="0" smtClean="0"/>
-              <a:t>その他</a:t>
+              <a:rPr kumimoji="1" lang="ja-JP" altLang="en-US" sz="3200" b="1" dirty="0"/>
+              <a:t>結果</a:t>
             </a:r>
             <a:endParaRPr kumimoji="1" lang="ja-JP" altLang="en-US" sz="3200" dirty="0"/>
           </a:p>
@@ -7389,56 +7364,32 @@
           </a:fontRef>
         </p:style>
       </p:cxnSp>
-      <p:sp>
-        <p:nvSpPr>
-          <p:cNvPr id="2" name="円/楕円 1"/>
-          <p:cNvSpPr/>
-          <p:nvPr/>
-        </p:nvSpPr>
-        <p:spPr>
-          <a:xfrm>
-            <a:off x="3923928" y="2276872"/>
-            <a:ext cx="1296144" cy="3096344"/>
-          </a:xfrm>
-          <a:prstGeom prst="ellipse">
-            <a:avLst/>
-          </a:prstGeom>
-          <a:noFill/>
-          <a:ln w="57150">
-            <a:solidFill>
-              <a:schemeClr val="tx1"/>
-            </a:solidFill>
-          </a:ln>
-        </p:spPr>
-        <p:style>
-          <a:lnRef idx="2">
-            <a:schemeClr val="accent1">
-              <a:shade val="50000"/>
-            </a:schemeClr>
-          </a:lnRef>
-          <a:fillRef idx="1">
-            <a:schemeClr val="accent1"/>
-          </a:fillRef>
-          <a:effectRef idx="0">
-            <a:schemeClr val="accent1"/>
-          </a:effectRef>
-          <a:fontRef idx="minor">
-            <a:schemeClr val="lt1"/>
-          </a:fontRef>
-        </p:style>
-        <p:txBody>
-          <a:bodyPr rtlCol="0" anchor="ctr"/>
-          <a:lstStyle/>
-          <a:p>
-            <a:pPr algn="ctr"/>
-            <a:endParaRPr kumimoji="1" lang="ja-JP" altLang="en-US"/>
-          </a:p>
-        </p:txBody>
-      </p:sp>
+      <p:graphicFrame>
+        <p:nvGraphicFramePr>
+          <p:cNvPr id="9" name="グラフ 8"/>
+          <p:cNvGraphicFramePr/>
+          <p:nvPr>
+            <p:extLst>
+              <p:ext uri="{D42A27DB-BD31-4B8C-83A1-F6EECF244321}">
+                <p14:modId xmlns:p14="http://schemas.microsoft.com/office/powerpoint/2010/main" val="4169357521"/>
+              </p:ext>
+            </p:extLst>
+          </p:nvPr>
+        </p:nvGraphicFramePr>
+        <p:xfrm>
+          <a:off x="625134" y="1988840"/>
+          <a:ext cx="7907306" cy="3816424"/>
+        </p:xfrm>
+        <a:graphic>
+          <a:graphicData uri="http://schemas.openxmlformats.org/drawingml/2006/chart">
+            <c:chart xmlns:c="http://schemas.openxmlformats.org/drawingml/2006/chart" xmlns:r="http://schemas.openxmlformats.org/officeDocument/2006/relationships" r:id="rId2"/>
+          </a:graphicData>
+        </a:graphic>
+      </p:graphicFrame>
     </p:spTree>
     <p:extLst>
       <p:ext uri="{BB962C8B-B14F-4D97-AF65-F5344CB8AC3E}">
-        <p14:creationId xmlns:p14="http://schemas.microsoft.com/office/powerpoint/2010/main" val="3460846774"/>
+        <p14:creationId xmlns:p14="http://schemas.microsoft.com/office/powerpoint/2010/main" val="837667352"/>
       </p:ext>
     </p:extLst>
   </p:cSld>
@@ -7475,6 +7426,47 @@
           <a:chExt cx="0" cy="0"/>
         </a:xfrm>
       </p:grpSpPr>
+      <p:pic>
+        <p:nvPicPr>
+          <p:cNvPr id="3074" name="Picture 2" descr="Z:\GitHub\yabukilab\卒業論文\2012\清水竜吾\別途資料\コミットごとの行数\IMG\グループ分け\grunt-lines.png"/>
+          <p:cNvPicPr>
+            <a:picLocks noChangeAspect="1" noChangeArrowheads="1"/>
+          </p:cNvPicPr>
+          <p:nvPr/>
+        </p:nvPicPr>
+        <p:blipFill>
+          <a:blip r:embed="rId2" cstate="email">
+            <a:extLst>
+              <a:ext uri="{28A0092B-C50C-407E-A947-70E740481C1C}">
+                <a14:useLocalDpi xmlns:a14="http://schemas.microsoft.com/office/drawing/2010/main" val="0"/>
+              </a:ext>
+            </a:extLst>
+          </a:blip>
+          <a:srcRect/>
+          <a:stretch>
+            <a:fillRect/>
+          </a:stretch>
+        </p:blipFill>
+        <p:spPr bwMode="auto">
+          <a:xfrm>
+            <a:off x="971550" y="1800000"/>
+            <a:ext cx="7200900" cy="4500563"/>
+          </a:xfrm>
+          <a:prstGeom prst="rect">
+            <a:avLst/>
+          </a:prstGeom>
+          <a:noFill/>
+          <a:extLst>
+            <a:ext uri="{909E8E84-426E-40DD-AFC4-6F175D3DCCD1}">
+              <a14:hiddenFill xmlns:a14="http://schemas.microsoft.com/office/drawing/2010/main">
+                <a:solidFill>
+                  <a:srgbClr val="FFFFFF"/>
+                </a:solidFill>
+              </a14:hiddenFill>
+            </a:ext>
+          </a:extLst>
+        </p:spPr>
+      </p:pic>
       <p:sp>
         <p:nvSpPr>
           <p:cNvPr id="4" name="日付プレースホルダー 3"/>
@@ -7583,8 +7575,8 @@
           </a:lstStyle>
           <a:p>
             <a:r>
-              <a:rPr kumimoji="1" lang="ja-JP" altLang="en-US" sz="3200" b="1" dirty="0"/>
-              <a:t>結果</a:t>
+              <a:rPr kumimoji="1" lang="ja-JP" altLang="en-US" sz="3200" b="1" dirty="0" smtClean="0"/>
+              <a:t>その他</a:t>
             </a:r>
             <a:endParaRPr kumimoji="1" lang="ja-JP" altLang="en-US" sz="3200" dirty="0"/>
           </a:p>
@@ -7829,32 +7821,56 @@
           </a:fontRef>
         </p:style>
       </p:cxnSp>
-      <p:graphicFrame>
-        <p:nvGraphicFramePr>
-          <p:cNvPr id="9" name="グラフ 8"/>
-          <p:cNvGraphicFramePr/>
-          <p:nvPr>
-            <p:extLst>
-              <p:ext uri="{D42A27DB-BD31-4B8C-83A1-F6EECF244321}">
-                <p14:modId xmlns:p14="http://schemas.microsoft.com/office/powerpoint/2010/main" val="4169357521"/>
-              </p:ext>
-            </p:extLst>
-          </p:nvPr>
-        </p:nvGraphicFramePr>
-        <p:xfrm>
-          <a:off x="625134" y="1988840"/>
-          <a:ext cx="7907306" cy="3816424"/>
-        </p:xfrm>
-        <a:graphic>
-          <a:graphicData uri="http://schemas.openxmlformats.org/drawingml/2006/chart">
-            <c:chart xmlns:c="http://schemas.openxmlformats.org/drawingml/2006/chart" xmlns:r="http://schemas.openxmlformats.org/officeDocument/2006/relationships" r:id="rId2"/>
-          </a:graphicData>
-        </a:graphic>
-      </p:graphicFrame>
+      <p:sp>
+        <p:nvSpPr>
+          <p:cNvPr id="2" name="円/楕円 1"/>
+          <p:cNvSpPr/>
+          <p:nvPr/>
+        </p:nvSpPr>
+        <p:spPr>
+          <a:xfrm>
+            <a:off x="3923928" y="2276872"/>
+            <a:ext cx="1296144" cy="3096344"/>
+          </a:xfrm>
+          <a:prstGeom prst="ellipse">
+            <a:avLst/>
+          </a:prstGeom>
+          <a:noFill/>
+          <a:ln w="57150">
+            <a:solidFill>
+              <a:schemeClr val="tx1"/>
+            </a:solidFill>
+          </a:ln>
+        </p:spPr>
+        <p:style>
+          <a:lnRef idx="2">
+            <a:schemeClr val="accent1">
+              <a:shade val="50000"/>
+            </a:schemeClr>
+          </a:lnRef>
+          <a:fillRef idx="1">
+            <a:schemeClr val="accent1"/>
+          </a:fillRef>
+          <a:effectRef idx="0">
+            <a:schemeClr val="accent1"/>
+          </a:effectRef>
+          <a:fontRef idx="minor">
+            <a:schemeClr val="lt1"/>
+          </a:fontRef>
+        </p:style>
+        <p:txBody>
+          <a:bodyPr rtlCol="0" anchor="ctr"/>
+          <a:lstStyle/>
+          <a:p>
+            <a:pPr algn="ctr"/>
+            <a:endParaRPr kumimoji="1" lang="ja-JP" altLang="en-US"/>
+          </a:p>
+        </p:txBody>
+      </p:sp>
     </p:spTree>
     <p:extLst>
       <p:ext uri="{BB962C8B-B14F-4D97-AF65-F5344CB8AC3E}">
-        <p14:creationId xmlns:p14="http://schemas.microsoft.com/office/powerpoint/2010/main" val="837667352"/>
+        <p14:creationId xmlns:p14="http://schemas.microsoft.com/office/powerpoint/2010/main" val="3460846774"/>
       </p:ext>
     </p:extLst>
   </p:cSld>
@@ -8254,7 +8270,7 @@
         <p:spPr>
           <a:xfrm>
             <a:off x="611560" y="1800000"/>
-            <a:ext cx="7920880" cy="1200329"/>
+            <a:ext cx="7920880" cy="3477875"/>
           </a:xfrm>
           <a:prstGeom prst="rect">
             <a:avLst/>
@@ -8268,52 +8284,204 @@
           <a:lstStyle/>
           <a:p>
             <a:r>
-              <a:rPr lang="ja-JP" altLang="en-US" dirty="0"/>
-              <a:t>オープンソースソフトウェアのテストに着目して，開発プロセスを調査した．</a:t>
-            </a:r>
-            <a:endParaRPr lang="en-US" altLang="ja-JP" dirty="0"/>
-          </a:p>
-          <a:p>
-            <a:r>
-              <a:rPr lang="ja-JP" altLang="en-US" dirty="0"/>
-              <a:t>開発プロセスを調査するためにバージョンごとのコード量</a:t>
-            </a:r>
-            <a:r>
-              <a:rPr lang="ja-JP" altLang="en-US" dirty="0" smtClean="0"/>
-              <a:t>を調べ，ソースコードを可視化</a:t>
-            </a:r>
-            <a:r>
-              <a:rPr lang="ja-JP" altLang="en-US" dirty="0"/>
-              <a:t>するツールを作り，調査した</a:t>
-            </a:r>
-            <a:r>
-              <a:rPr lang="ja-JP" altLang="en-US" dirty="0" smtClean="0"/>
-              <a:t>結果，</a:t>
-            </a:r>
-            <a:endParaRPr lang="en-US" altLang="ja-JP" dirty="0" smtClean="0"/>
-          </a:p>
-          <a:p>
-            <a:r>
-              <a:rPr lang="ja-JP" altLang="en-US" dirty="0" smtClean="0"/>
-              <a:t>およそ</a:t>
-            </a:r>
-            <a:r>
-              <a:rPr lang="ja-JP" altLang="en-US" dirty="0"/>
-              <a:t>半数</a:t>
-            </a:r>
-            <a:r>
-              <a:rPr lang="ja-JP" altLang="en-US" dirty="0" smtClean="0"/>
-              <a:t>の開発</a:t>
-            </a:r>
-            <a:r>
-              <a:rPr lang="ja-JP" altLang="en-US" dirty="0"/>
-              <a:t>ではテスト駆動開発は行われて</a:t>
-            </a:r>
-            <a:r>
-              <a:rPr lang="ja-JP" altLang="en-US" dirty="0" smtClean="0"/>
-              <a:t>いないことが判明した．</a:t>
-            </a:r>
-            <a:endParaRPr lang="ja-JP" altLang="en-US" dirty="0"/>
+              <a:rPr lang="ja-JP" altLang="ja-JP" sz="2000" b="1" dirty="0" smtClean="0"/>
+              <a:t>ソフトウェア</a:t>
+            </a:r>
+            <a:r>
+              <a:rPr lang="ja-JP" altLang="ja-JP" sz="2000" b="1" dirty="0"/>
+              <a:t>の</a:t>
+            </a:r>
+            <a:r>
+              <a:rPr lang="ja-JP" altLang="ja-JP" sz="2000" b="1" dirty="0" smtClean="0"/>
+              <a:t>テスト</a:t>
+            </a:r>
+            <a:r>
+              <a:rPr lang="ja-JP" altLang="en-US" sz="2000" b="1" dirty="0" smtClean="0"/>
+              <a:t>工程</a:t>
+            </a:r>
+            <a:r>
+              <a:rPr lang="ja-JP" altLang="ja-JP" sz="2000" b="1" dirty="0" smtClean="0"/>
+              <a:t>に</a:t>
+            </a:r>
+            <a:r>
+              <a:rPr lang="ja-JP" altLang="ja-JP" sz="2000" b="1" dirty="0"/>
+              <a:t>着目して，開発プロセスを調査</a:t>
+            </a:r>
+            <a:r>
+              <a:rPr lang="ja-JP" altLang="ja-JP" sz="2000" b="1" dirty="0" smtClean="0"/>
+              <a:t>した</a:t>
+            </a:r>
+            <a:r>
+              <a:rPr lang="ja-JP" altLang="ja-JP" sz="2000" b="1" dirty="0"/>
+              <a:t>．</a:t>
+            </a:r>
+          </a:p>
+          <a:p>
+            <a:r>
+              <a:rPr lang="ja-JP" altLang="ja-JP" sz="2000" b="1" dirty="0" smtClean="0"/>
+              <a:t>調査</a:t>
+            </a:r>
+            <a:r>
+              <a:rPr lang="ja-JP" altLang="ja-JP" sz="2000" b="1" dirty="0"/>
+              <a:t>するために</a:t>
+            </a:r>
+            <a:r>
+              <a:rPr lang="ja-JP" altLang="ja-JP" sz="2000" b="1" dirty="0" smtClean="0"/>
+              <a:t>バージョン</a:t>
+            </a:r>
+            <a:r>
+              <a:rPr lang="ja-JP" altLang="en-US" sz="2000" b="1" dirty="0" smtClean="0"/>
+              <a:t>管理システムを使い</a:t>
+            </a:r>
+            <a:r>
+              <a:rPr lang="ja-JP" altLang="ja-JP" sz="2000" b="1" dirty="0" smtClean="0"/>
+              <a:t>コード量</a:t>
+            </a:r>
+            <a:r>
+              <a:rPr lang="ja-JP" altLang="ja-JP" sz="2000" b="1" dirty="0"/>
+              <a:t>を</a:t>
+            </a:r>
+            <a:r>
+              <a:rPr lang="ja-JP" altLang="ja-JP" sz="2000" b="1" dirty="0" smtClean="0"/>
+              <a:t>調べ可視化</a:t>
+            </a:r>
+            <a:r>
+              <a:rPr lang="ja-JP" altLang="ja-JP" sz="2000" b="1" dirty="0"/>
+              <a:t>するツールを</a:t>
+            </a:r>
+            <a:r>
+              <a:rPr lang="ja-JP" altLang="ja-JP" sz="2000" b="1" dirty="0" smtClean="0"/>
+              <a:t>開発</a:t>
+            </a:r>
+            <a:r>
+              <a:rPr lang="ja-JP" altLang="en-US" sz="2000" b="1" dirty="0" smtClean="0"/>
+              <a:t>し</a:t>
+            </a:r>
+            <a:r>
+              <a:rPr lang="ja-JP" altLang="ja-JP" sz="2000" b="1" dirty="0" smtClean="0"/>
+              <a:t>た</a:t>
+            </a:r>
+            <a:r>
+              <a:rPr lang="ja-JP" altLang="ja-JP" sz="2000" b="1" dirty="0"/>
+              <a:t>．</a:t>
+            </a:r>
+          </a:p>
+          <a:p>
+            <a:r>
+              <a:rPr lang="ja-JP" altLang="ja-JP" sz="2000" b="1" dirty="0"/>
+              <a:t>開発したツールを使用した結果</a:t>
+            </a:r>
+            <a:r>
+              <a:rPr lang="ja-JP" altLang="ja-JP" sz="2000" b="1" dirty="0" smtClean="0"/>
+              <a:t>，四つ</a:t>
+            </a:r>
+            <a:r>
+              <a:rPr lang="ja-JP" altLang="ja-JP" sz="2000" b="1" dirty="0"/>
+              <a:t>のパターンに分類することが</a:t>
+            </a:r>
+            <a:r>
+              <a:rPr lang="ja-JP" altLang="ja-JP" sz="2000" b="1" dirty="0" smtClean="0"/>
+              <a:t>できた</a:t>
+            </a:r>
+            <a:r>
+              <a:rPr lang="ja-JP" altLang="ja-JP" sz="2000" b="1" dirty="0"/>
+              <a:t>．</a:t>
+            </a:r>
+          </a:p>
+          <a:p>
+            <a:r>
+              <a:rPr lang="ja-JP" altLang="ja-JP" sz="2000" b="1" dirty="0" smtClean="0"/>
+              <a:t>結果</a:t>
+            </a:r>
+            <a:r>
+              <a:rPr lang="ja-JP" altLang="ja-JP" sz="2000" b="1" dirty="0"/>
+              <a:t>，テスト駆動開発は必ずしも行われていないことが</a:t>
+            </a:r>
+            <a:r>
+              <a:rPr lang="ja-JP" altLang="ja-JP" sz="2000" b="1" dirty="0" smtClean="0"/>
+              <a:t>わか</a:t>
+            </a:r>
+            <a:r>
+              <a:rPr lang="ja-JP" altLang="en-US" sz="2000" b="1" dirty="0" smtClean="0"/>
+              <a:t>った</a:t>
+            </a:r>
+            <a:r>
+              <a:rPr lang="ja-JP" altLang="ja-JP" sz="2000" b="1" dirty="0" smtClean="0"/>
+              <a:t>．</a:t>
+            </a:r>
+            <a:endParaRPr lang="ja-JP" altLang="ja-JP" sz="2000" b="1" dirty="0"/>
+          </a:p>
+          <a:p>
+            <a:endParaRPr lang="en-US" altLang="ja-JP" sz="2000" b="1" dirty="0"/>
+          </a:p>
+          <a:p>
+            <a:r>
+              <a:rPr lang="ja-JP" altLang="ja-JP" sz="2000" b="1" dirty="0" smtClean="0"/>
+              <a:t>この</a:t>
+            </a:r>
+            <a:r>
+              <a:rPr lang="ja-JP" altLang="ja-JP" sz="2000" b="1" dirty="0"/>
+              <a:t>ような現実のソフトウェア開発プロセスを学ぶこと</a:t>
+            </a:r>
+            <a:r>
+              <a:rPr lang="ja-JP" altLang="ja-JP" sz="2000" b="1" dirty="0" smtClean="0"/>
+              <a:t>でソフトウェア</a:t>
+            </a:r>
+            <a:r>
+              <a:rPr lang="ja-JP" altLang="ja-JP" sz="2000" b="1" dirty="0"/>
+              <a:t>開発のプロジェクトを学ぶことが</a:t>
+            </a:r>
+            <a:r>
+              <a:rPr lang="ja-JP" altLang="ja-JP" sz="2000" b="1" dirty="0" smtClean="0"/>
+              <a:t>できた</a:t>
+            </a:r>
+            <a:r>
+              <a:rPr lang="ja-JP" altLang="ja-JP" sz="2000" b="1" dirty="0"/>
+              <a:t>．</a:t>
+            </a:r>
+          </a:p>
+          <a:p>
+            <a:r>
+              <a:rPr lang="ja-JP" altLang="ja-JP" sz="2000" b="1" dirty="0"/>
+              <a:t>このような手法を使うことに</a:t>
+            </a:r>
+            <a:r>
+              <a:rPr lang="ja-JP" altLang="ja-JP" sz="2000" b="1" dirty="0" smtClean="0"/>
+              <a:t>よって</a:t>
+            </a:r>
+            <a:r>
+              <a:rPr lang="ja-JP" altLang="en-US" sz="2000" b="1" dirty="0" smtClean="0"/>
+              <a:t>，ソフトウェア開発の</a:t>
+            </a:r>
+            <a:r>
+              <a:rPr lang="ja-JP" altLang="ja-JP" sz="2000" b="1" dirty="0" smtClean="0"/>
+              <a:t>プロジェクトマネジメント</a:t>
+            </a:r>
+            <a:r>
+              <a:rPr lang="ja-JP" altLang="en-US" sz="2000" b="1" dirty="0" smtClean="0"/>
+              <a:t>を</a:t>
+            </a:r>
+            <a:r>
+              <a:rPr lang="ja-JP" altLang="ja-JP" sz="2000" b="1" dirty="0" smtClean="0"/>
+              <a:t>一般</a:t>
+            </a:r>
+            <a:r>
+              <a:rPr lang="ja-JP" altLang="ja-JP" sz="2000" b="1" dirty="0"/>
+              <a:t>でも知ることが</a:t>
+            </a:r>
+            <a:r>
+              <a:rPr lang="ja-JP" altLang="ja-JP" sz="2000" b="1" dirty="0" smtClean="0"/>
+              <a:t>でき</a:t>
+            </a:r>
+            <a:r>
+              <a:rPr lang="ja-JP" altLang="en-US" sz="2000" b="1" dirty="0" smtClean="0"/>
+              <a:t>る</a:t>
+            </a:r>
+            <a:r>
+              <a:rPr lang="ja-JP" altLang="ja-JP" sz="2000" b="1" dirty="0" smtClean="0"/>
+              <a:t>．</a:t>
+            </a:r>
+            <a:endParaRPr lang="ja-JP" altLang="ja-JP" sz="2000" b="1" dirty="0"/>
           </a:p>
         </p:txBody>
       </p:sp>
@@ -8321,6 +8489,2649 @@
     <p:extLst>
       <p:ext uri="{BB962C8B-B14F-4D97-AF65-F5344CB8AC3E}">
         <p14:creationId xmlns:p14="http://schemas.microsoft.com/office/powerpoint/2010/main" val="1086966624"/>
+      </p:ext>
+    </p:extLst>
+  </p:cSld>
+  <p:clrMapOvr>
+    <a:masterClrMapping/>
+  </p:clrMapOvr>
+  <p:transition spd="slow">
+    <p:fade/>
+  </p:transition>
+  <p:timing>
+    <p:tnLst>
+      <p:par>
+        <p:cTn id="1" dur="indefinite" restart="never" nodeType="tmRoot"/>
+      </p:par>
+    </p:tnLst>
+  </p:timing>
+</p:sld>
+</file>
+
+<file path=ppt/slides/slide15.xml><?xml version="1.0" encoding="utf-8"?>
+<p:sld xmlns:a="http://schemas.openxmlformats.org/drawingml/2006/main" xmlns:r="http://schemas.openxmlformats.org/officeDocument/2006/relationships" xmlns:p="http://schemas.openxmlformats.org/presentationml/2006/main" showMasterSp="0">
+  <p:cSld>
+    <p:spTree>
+      <p:nvGrpSpPr>
+        <p:cNvPr id="1" name=""/>
+        <p:cNvGrpSpPr/>
+        <p:nvPr/>
+      </p:nvGrpSpPr>
+      <p:grpSpPr>
+        <a:xfrm>
+          <a:off x="0" y="0"/>
+          <a:ext cx="0" cy="0"/>
+          <a:chOff x="0" y="0"/>
+          <a:chExt cx="0" cy="0"/>
+        </a:xfrm>
+      </p:grpSpPr>
+      <p:sp>
+        <p:nvSpPr>
+          <p:cNvPr id="3" name="コンテンツ プレースホルダー 2"/>
+          <p:cNvSpPr>
+            <a:spLocks noGrp="1"/>
+          </p:cNvSpPr>
+          <p:nvPr>
+            <p:ph idx="1"/>
+          </p:nvPr>
+        </p:nvSpPr>
+        <p:spPr>
+          <a:xfrm>
+            <a:off x="0" y="0"/>
+            <a:ext cx="9144000" cy="6858000"/>
+          </a:xfrm>
+        </p:spPr>
+        <p:txBody>
+          <a:bodyPr>
+            <a:normAutofit fontScale="47500" lnSpcReduction="20000"/>
+          </a:bodyPr>
+          <a:lstStyle/>
+          <a:p>
+            <a:pPr marL="0" indent="0">
+              <a:buNone/>
+            </a:pPr>
+            <a:r>
+              <a:rPr kumimoji="1" lang="en-US" altLang="ja-JP" dirty="0" err="1"/>
+              <a:t>git</a:t>
+            </a:r>
+            <a:r>
+              <a:rPr kumimoji="1" lang="en-US" altLang="ja-JP" dirty="0"/>
+              <a:t> clone https://github.com/$1/$2</a:t>
+            </a:r>
+          </a:p>
+          <a:p>
+            <a:pPr marL="0" indent="0">
+              <a:buNone/>
+            </a:pPr>
+            <a:r>
+              <a:rPr kumimoji="1" lang="en-US" altLang="ja-JP" dirty="0"/>
+              <a:t>cd $2</a:t>
+            </a:r>
+          </a:p>
+          <a:p>
+            <a:pPr marL="0" indent="0">
+              <a:buNone/>
+            </a:pPr>
+            <a:r>
+              <a:rPr kumimoji="1" lang="en-US" altLang="ja-JP" dirty="0" err="1"/>
+              <a:t>git</a:t>
+            </a:r>
+            <a:r>
+              <a:rPr kumimoji="1" lang="en-US" altLang="ja-JP" dirty="0"/>
+              <a:t> log --pretty=format:"%</a:t>
+            </a:r>
+            <a:r>
+              <a:rPr kumimoji="1" lang="en-US" altLang="ja-JP" dirty="0" err="1"/>
+              <a:t>H,%cd</a:t>
+            </a:r>
+            <a:r>
+              <a:rPr kumimoji="1" lang="en-US" altLang="ja-JP" dirty="0"/>
+              <a:t>" --date=</a:t>
+            </a:r>
+            <a:r>
+              <a:rPr kumimoji="1" lang="en-US" altLang="ja-JP" dirty="0" err="1"/>
+              <a:t>iso</a:t>
+            </a:r>
+            <a:r>
+              <a:rPr kumimoji="1" lang="en-US" altLang="ja-JP" dirty="0"/>
+              <a:t> --first-parent --no-merges &gt; $2-commits.csv</a:t>
+            </a:r>
+          </a:p>
+          <a:p>
+            <a:pPr marL="0" indent="0">
+              <a:buNone/>
+            </a:pPr>
+            <a:r>
+              <a:rPr kumimoji="1" lang="en-US" altLang="ja-JP" dirty="0"/>
+              <a:t>cd ..</a:t>
+            </a:r>
+          </a:p>
+          <a:p>
+            <a:pPr marL="0" indent="0">
+              <a:buNone/>
+            </a:pPr>
+            <a:r>
+              <a:rPr kumimoji="1" lang="en-US" altLang="ja-JP" dirty="0"/>
+              <a:t>cat $2-commits.csv | python lineCountScriptCreator.py $2 &gt; $2-count.sh</a:t>
+            </a:r>
+          </a:p>
+          <a:p>
+            <a:pPr marL="0" indent="0">
+              <a:buNone/>
+            </a:pPr>
+            <a:r>
+              <a:rPr kumimoji="1" lang="en-US" altLang="ja-JP" dirty="0"/>
+              <a:t>bash $2-count.sh &gt; $2-count-result.csv 2&gt; $2-error.log</a:t>
+            </a:r>
+          </a:p>
+          <a:p>
+            <a:pPr marL="0" indent="0">
+              <a:buNone/>
+            </a:pPr>
+            <a:r>
+              <a:rPr kumimoji="1" lang="en-US" altLang="ja-JP" dirty="0" err="1"/>
+              <a:t>rm</a:t>
+            </a:r>
+            <a:r>
+              <a:rPr kumimoji="1" lang="en-US" altLang="ja-JP" dirty="0"/>
+              <a:t> -f count-result.csv</a:t>
+            </a:r>
+          </a:p>
+          <a:p>
+            <a:pPr marL="0" indent="0">
+              <a:buNone/>
+            </a:pPr>
+            <a:r>
+              <a:rPr kumimoji="1" lang="en-US" altLang="ja-JP" dirty="0" err="1"/>
+              <a:t>cp</a:t>
+            </a:r>
+            <a:r>
+              <a:rPr kumimoji="1" lang="en-US" altLang="ja-JP" dirty="0"/>
+              <a:t> $2-count-result.csv count-result_tmp.csv</a:t>
+            </a:r>
+          </a:p>
+          <a:p>
+            <a:pPr marL="0" indent="0">
+              <a:buNone/>
+            </a:pPr>
+            <a:r>
+              <a:rPr kumimoji="1" lang="en-US" altLang="ja-JP" dirty="0" err="1"/>
+              <a:t>awk</a:t>
+            </a:r>
+            <a:r>
+              <a:rPr kumimoji="1" lang="en-US" altLang="ja-JP" dirty="0"/>
+              <a:t> -F ',' 'BEGIN{OFS=","} {print $0,$3-$4;}' count-result_tmp.csv &gt; count-result.csv</a:t>
+            </a:r>
+          </a:p>
+          <a:p>
+            <a:pPr marL="0" indent="0">
+              <a:buNone/>
+            </a:pPr>
+            <a:r>
+              <a:rPr kumimoji="1" lang="en-US" altLang="ja-JP" dirty="0" err="1"/>
+              <a:t>rm</a:t>
+            </a:r>
+            <a:r>
+              <a:rPr kumimoji="1" lang="en-US" altLang="ja-JP" dirty="0"/>
+              <a:t> -f count-result_tmp.csv</a:t>
+            </a:r>
+          </a:p>
+          <a:p>
+            <a:pPr marL="0" indent="0">
+              <a:buNone/>
+            </a:pPr>
+            <a:r>
+              <a:rPr kumimoji="1" lang="en-US" altLang="ja-JP" dirty="0" err="1"/>
+              <a:t>gnuplot</a:t>
+            </a:r>
+            <a:r>
+              <a:rPr kumimoji="1" lang="en-US" altLang="ja-JP" dirty="0"/>
+              <a:t> &lt;&lt;EOF</a:t>
+            </a:r>
+          </a:p>
+          <a:p>
+            <a:pPr marL="0" indent="0">
+              <a:buNone/>
+            </a:pPr>
+            <a:r>
+              <a:rPr kumimoji="1" lang="en-US" altLang="ja-JP" dirty="0"/>
+              <a:t>set </a:t>
+            </a:r>
+            <a:r>
+              <a:rPr kumimoji="1" lang="en-US" altLang="ja-JP" dirty="0" err="1"/>
+              <a:t>datafile</a:t>
+            </a:r>
+            <a:r>
+              <a:rPr kumimoji="1" lang="en-US" altLang="ja-JP" dirty="0"/>
+              <a:t> separator ","</a:t>
+            </a:r>
+          </a:p>
+          <a:p>
+            <a:pPr marL="0" indent="0">
+              <a:buNone/>
+            </a:pPr>
+            <a:r>
+              <a:rPr kumimoji="1" lang="en-US" altLang="ja-JP" dirty="0"/>
+              <a:t>set </a:t>
+            </a:r>
+            <a:r>
+              <a:rPr kumimoji="1" lang="en-US" altLang="ja-JP" dirty="0" err="1"/>
+              <a:t>xdata</a:t>
+            </a:r>
+            <a:r>
+              <a:rPr kumimoji="1" lang="en-US" altLang="ja-JP" dirty="0"/>
+              <a:t> time</a:t>
+            </a:r>
+          </a:p>
+          <a:p>
+            <a:pPr marL="0" indent="0">
+              <a:buNone/>
+            </a:pPr>
+            <a:r>
+              <a:rPr kumimoji="1" lang="en-US" altLang="ja-JP" dirty="0"/>
+              <a:t>set </a:t>
+            </a:r>
+            <a:r>
+              <a:rPr kumimoji="1" lang="en-US" altLang="ja-JP" dirty="0" err="1"/>
+              <a:t>timefmt</a:t>
+            </a:r>
+            <a:r>
+              <a:rPr kumimoji="1" lang="en-US" altLang="ja-JP" dirty="0"/>
+              <a:t> "%Y-%m-%d %H:%M:%S"</a:t>
+            </a:r>
+          </a:p>
+          <a:p>
+            <a:pPr marL="0" indent="0">
+              <a:buNone/>
+            </a:pPr>
+            <a:r>
+              <a:rPr kumimoji="1" lang="en-US" altLang="ja-JP" dirty="0"/>
+              <a:t>set format x "%y-%m"</a:t>
+            </a:r>
+          </a:p>
+          <a:p>
+            <a:pPr marL="0" indent="0">
+              <a:buNone/>
+            </a:pPr>
+            <a:r>
+              <a:rPr kumimoji="1" lang="en-US" altLang="ja-JP" dirty="0"/>
+              <a:t>set xl "Date Time" font 'Times New Roman,25'</a:t>
+            </a:r>
+          </a:p>
+          <a:p>
+            <a:pPr marL="0" indent="0">
+              <a:buNone/>
+            </a:pPr>
+            <a:r>
+              <a:rPr kumimoji="1" lang="en-US" altLang="ja-JP" dirty="0"/>
+              <a:t>set </a:t>
+            </a:r>
+            <a:r>
+              <a:rPr kumimoji="1" lang="en-US" altLang="ja-JP" dirty="0" err="1"/>
+              <a:t>yl</a:t>
+            </a:r>
+            <a:r>
+              <a:rPr kumimoji="1" lang="en-US" altLang="ja-JP" dirty="0"/>
+              <a:t> "Lines" font 'Times New Roman,25'</a:t>
+            </a:r>
+          </a:p>
+          <a:p>
+            <a:pPr marL="0" indent="0">
+              <a:buNone/>
+            </a:pPr>
+            <a:r>
+              <a:rPr kumimoji="1" lang="en-US" altLang="ja-JP" dirty="0"/>
+              <a:t>set terminal </a:t>
+            </a:r>
+            <a:r>
+              <a:rPr kumimoji="1" lang="en-US" altLang="ja-JP" dirty="0" err="1"/>
+              <a:t>png</a:t>
+            </a:r>
+            <a:r>
+              <a:rPr kumimoji="1" lang="en-US" altLang="ja-JP" dirty="0"/>
+              <a:t> size 1680,1050</a:t>
+            </a:r>
+          </a:p>
+          <a:p>
+            <a:pPr marL="0" indent="0">
+              <a:buNone/>
+            </a:pPr>
+            <a:r>
+              <a:rPr kumimoji="1" lang="en-US" altLang="ja-JP" dirty="0"/>
+              <a:t>set </a:t>
+            </a:r>
+            <a:r>
+              <a:rPr kumimoji="1" lang="en-US" altLang="ja-JP" dirty="0" err="1"/>
+              <a:t>lmargin</a:t>
+            </a:r>
+            <a:r>
+              <a:rPr kumimoji="1" lang="en-US" altLang="ja-JP" dirty="0"/>
+              <a:t> 14</a:t>
+            </a:r>
+          </a:p>
+          <a:p>
+            <a:pPr marL="0" indent="0">
+              <a:buNone/>
+            </a:pPr>
+            <a:r>
+              <a:rPr kumimoji="1" lang="en-US" altLang="ja-JP" dirty="0"/>
+              <a:t>set </a:t>
+            </a:r>
+            <a:r>
+              <a:rPr kumimoji="1" lang="en-US" altLang="ja-JP" dirty="0" err="1"/>
+              <a:t>rmargin</a:t>
+            </a:r>
+            <a:r>
+              <a:rPr kumimoji="1" lang="en-US" altLang="ja-JP" dirty="0"/>
+              <a:t> 15</a:t>
+            </a:r>
+          </a:p>
+          <a:p>
+            <a:pPr marL="0" indent="0">
+              <a:buNone/>
+            </a:pPr>
+            <a:r>
+              <a:rPr kumimoji="1" lang="en-US" altLang="ja-JP" dirty="0"/>
+              <a:t>set </a:t>
+            </a:r>
+            <a:r>
+              <a:rPr kumimoji="1" lang="en-US" altLang="ja-JP" dirty="0" err="1"/>
+              <a:t>tmargin</a:t>
+            </a:r>
+            <a:r>
+              <a:rPr kumimoji="1" lang="en-US" altLang="ja-JP" dirty="0"/>
+              <a:t> 5</a:t>
+            </a:r>
+          </a:p>
+          <a:p>
+            <a:pPr marL="0" indent="0">
+              <a:buNone/>
+            </a:pPr>
+            <a:r>
+              <a:rPr kumimoji="1" lang="en-US" altLang="ja-JP" dirty="0"/>
+              <a:t>set border 15 </a:t>
+            </a:r>
+            <a:r>
+              <a:rPr kumimoji="1" lang="en-US" altLang="ja-JP" dirty="0" err="1"/>
+              <a:t>lw</a:t>
+            </a:r>
+            <a:r>
+              <a:rPr kumimoji="1" lang="en-US" altLang="ja-JP" dirty="0"/>
+              <a:t> 2</a:t>
+            </a:r>
+          </a:p>
+          <a:p>
+            <a:pPr marL="0" indent="0">
+              <a:buNone/>
+            </a:pPr>
+            <a:r>
+              <a:rPr kumimoji="1" lang="en-US" altLang="ja-JP" dirty="0"/>
+              <a:t>set tics font "Times New Roman,20"</a:t>
+            </a:r>
+          </a:p>
+          <a:p>
+            <a:pPr marL="0" indent="0">
+              <a:buNone/>
+            </a:pPr>
+            <a:r>
+              <a:rPr kumimoji="1" lang="en-US" altLang="ja-JP" dirty="0"/>
+              <a:t>set title "$2"</a:t>
+            </a:r>
+          </a:p>
+          <a:p>
+            <a:pPr marL="0" indent="0">
+              <a:buNone/>
+            </a:pPr>
+            <a:r>
+              <a:rPr kumimoji="1" lang="en-US" altLang="ja-JP" dirty="0"/>
+              <a:t>set title font 'Times New Roman,50'</a:t>
+            </a:r>
+          </a:p>
+          <a:p>
+            <a:pPr marL="0" indent="0">
+              <a:buNone/>
+            </a:pPr>
+            <a:r>
+              <a:rPr kumimoji="1" lang="en-US" altLang="ja-JP" dirty="0"/>
+              <a:t>set key outside font 'Times New Roman,20' spacing 1.5</a:t>
+            </a:r>
+          </a:p>
+          <a:p>
+            <a:pPr marL="0" indent="0">
+              <a:buNone/>
+            </a:pPr>
+            <a:r>
+              <a:rPr kumimoji="1" lang="en-US" altLang="ja-JP" dirty="0"/>
+              <a:t>set out "lines.png"</a:t>
+            </a:r>
+          </a:p>
+          <a:p>
+            <a:pPr marL="0" indent="0">
+              <a:buNone/>
+            </a:pPr>
+            <a:r>
+              <a:rPr kumimoji="1" lang="en-US" altLang="ja-JP" dirty="0"/>
+              <a:t>plot 'count-result.csv' using 2:3 with lines </a:t>
+            </a:r>
+            <a:r>
+              <a:rPr kumimoji="1" lang="en-US" altLang="ja-JP" dirty="0" err="1"/>
+              <a:t>lw</a:t>
+            </a:r>
+            <a:r>
+              <a:rPr kumimoji="1" lang="en-US" altLang="ja-JP" dirty="0"/>
+              <a:t> 2 title 'Total', 'count-result.csv' using 2:5 with lines </a:t>
+            </a:r>
+            <a:r>
+              <a:rPr kumimoji="1" lang="en-US" altLang="ja-JP" dirty="0" err="1"/>
+              <a:t>lw</a:t>
+            </a:r>
+            <a:r>
+              <a:rPr kumimoji="1" lang="en-US" altLang="ja-JP" dirty="0"/>
+              <a:t> 2 title 'Code','count-result.csv' using 2:4 with lines </a:t>
+            </a:r>
+            <a:r>
+              <a:rPr kumimoji="1" lang="en-US" altLang="ja-JP" dirty="0" err="1"/>
+              <a:t>lw</a:t>
+            </a:r>
+            <a:r>
+              <a:rPr kumimoji="1" lang="en-US" altLang="ja-JP" dirty="0"/>
+              <a:t> 2 title 'Test'</a:t>
+            </a:r>
+          </a:p>
+          <a:p>
+            <a:pPr marL="0" indent="0">
+              <a:buNone/>
+            </a:pPr>
+            <a:r>
+              <a:rPr kumimoji="1" lang="en-US" altLang="ja-JP" dirty="0"/>
+              <a:t>EOF</a:t>
+            </a:r>
+          </a:p>
+          <a:p>
+            <a:pPr marL="0" indent="0">
+              <a:buNone/>
+            </a:pPr>
+            <a:r>
+              <a:rPr kumimoji="1" lang="en-US" altLang="ja-JP" dirty="0" err="1"/>
+              <a:t>rm</a:t>
+            </a:r>
+            <a:r>
+              <a:rPr kumimoji="1" lang="en-US" altLang="ja-JP" dirty="0"/>
+              <a:t> -f $2-lines.png</a:t>
+            </a:r>
+          </a:p>
+          <a:p>
+            <a:pPr marL="0" indent="0">
+              <a:buNone/>
+            </a:pPr>
+            <a:r>
+              <a:rPr kumimoji="1" lang="en-US" altLang="ja-JP" dirty="0"/>
+              <a:t>mv lines.png $</a:t>
+            </a:r>
+            <a:r>
+              <a:rPr kumimoji="1" lang="en-US" altLang="ja-JP" dirty="0" smtClean="0"/>
+              <a:t>2-lines.png</a:t>
+            </a:r>
+            <a:endParaRPr kumimoji="1" lang="en-US" altLang="ja-JP" dirty="0"/>
+          </a:p>
+        </p:txBody>
+      </p:sp>
+    </p:spTree>
+    <p:extLst>
+      <p:ext uri="{BB962C8B-B14F-4D97-AF65-F5344CB8AC3E}">
+        <p14:creationId xmlns:p14="http://schemas.microsoft.com/office/powerpoint/2010/main" val="1418075139"/>
+      </p:ext>
+    </p:extLst>
+  </p:cSld>
+  <p:clrMapOvr>
+    <a:masterClrMapping/>
+  </p:clrMapOvr>
+  <p:transition spd="slow">
+    <p:fade/>
+  </p:transition>
+  <p:timing>
+    <p:tnLst>
+      <p:par>
+        <p:cTn id="1" dur="indefinite" restart="never" nodeType="tmRoot"/>
+      </p:par>
+    </p:tnLst>
+  </p:timing>
+</p:sld>
+</file>
+
+<file path=ppt/slides/slide16.xml><?xml version="1.0" encoding="utf-8"?>
+<p:sld xmlns:a="http://schemas.openxmlformats.org/drawingml/2006/main" xmlns:r="http://schemas.openxmlformats.org/officeDocument/2006/relationships" xmlns:p="http://schemas.openxmlformats.org/presentationml/2006/main" showMasterSp="0">
+  <p:cSld>
+    <p:spTree>
+      <p:nvGrpSpPr>
+        <p:cNvPr id="1" name=""/>
+        <p:cNvGrpSpPr/>
+        <p:nvPr/>
+      </p:nvGrpSpPr>
+      <p:grpSpPr>
+        <a:xfrm>
+          <a:off x="0" y="0"/>
+          <a:ext cx="0" cy="0"/>
+          <a:chOff x="0" y="0"/>
+          <a:chExt cx="0" cy="0"/>
+        </a:xfrm>
+      </p:grpSpPr>
+      <p:sp>
+        <p:nvSpPr>
+          <p:cNvPr id="3" name="コンテンツ プレースホルダー 2"/>
+          <p:cNvSpPr>
+            <a:spLocks noGrp="1"/>
+          </p:cNvSpPr>
+          <p:nvPr>
+            <p:ph idx="1"/>
+          </p:nvPr>
+        </p:nvSpPr>
+        <p:spPr>
+          <a:xfrm>
+            <a:off x="0" y="0"/>
+            <a:ext cx="9144000" cy="6858000"/>
+          </a:xfrm>
+        </p:spPr>
+        <p:txBody>
+          <a:bodyPr>
+            <a:normAutofit fontScale="70000" lnSpcReduction="20000"/>
+          </a:bodyPr>
+          <a:lstStyle/>
+          <a:p>
+            <a:pPr marL="0" indent="0" latinLnBrk="1">
+              <a:buNone/>
+            </a:pPr>
+            <a:r>
+              <a:rPr lang="en-US" altLang="ja-JP" dirty="0"/>
+              <a:t>from </a:t>
+            </a:r>
+            <a:r>
+              <a:rPr lang="en-US" altLang="ja-JP" dirty="0" err="1"/>
+              <a:t>datetime</a:t>
+            </a:r>
+            <a:r>
+              <a:rPr lang="en-US" altLang="ja-JP" dirty="0"/>
+              <a:t> import </a:t>
+            </a:r>
+            <a:r>
+              <a:rPr lang="en-US" altLang="ja-JP" dirty="0" err="1"/>
+              <a:t>datetime</a:t>
+            </a:r>
+            <a:endParaRPr lang="ja-JP" altLang="ja-JP" dirty="0"/>
+          </a:p>
+          <a:p>
+            <a:pPr marL="0" indent="0" latinLnBrk="1">
+              <a:buNone/>
+            </a:pPr>
+            <a:r>
+              <a:rPr lang="en-US" altLang="ja-JP" dirty="0"/>
+              <a:t>from </a:t>
+            </a:r>
+            <a:r>
+              <a:rPr lang="en-US" altLang="ja-JP" dirty="0" err="1"/>
+              <a:t>dateutil.parser</a:t>
+            </a:r>
+            <a:r>
+              <a:rPr lang="en-US" altLang="ja-JP" dirty="0"/>
+              <a:t> import parse</a:t>
+            </a:r>
+            <a:endParaRPr lang="ja-JP" altLang="ja-JP" dirty="0"/>
+          </a:p>
+          <a:p>
+            <a:pPr marL="0" indent="0" latinLnBrk="1">
+              <a:buNone/>
+            </a:pPr>
+            <a:r>
+              <a:rPr lang="en-US" altLang="ja-JP" dirty="0"/>
+              <a:t>from </a:t>
+            </a:r>
+            <a:r>
+              <a:rPr lang="en-US" altLang="ja-JP" dirty="0" err="1"/>
+              <a:t>dateutil</a:t>
+            </a:r>
+            <a:r>
+              <a:rPr lang="en-US" altLang="ja-JP" dirty="0"/>
+              <a:t> import </a:t>
+            </a:r>
+            <a:r>
+              <a:rPr lang="en-US" altLang="ja-JP" dirty="0" err="1"/>
+              <a:t>tz</a:t>
+            </a:r>
+            <a:endParaRPr lang="ja-JP" altLang="ja-JP" dirty="0"/>
+          </a:p>
+          <a:p>
+            <a:pPr marL="0" indent="0" latinLnBrk="1">
+              <a:buNone/>
+            </a:pPr>
+            <a:r>
+              <a:rPr lang="en-US" altLang="ja-JP" dirty="0"/>
+              <a:t>import sys</a:t>
+            </a:r>
+            <a:endParaRPr lang="ja-JP" altLang="ja-JP" dirty="0"/>
+          </a:p>
+          <a:p>
+            <a:pPr marL="0" indent="0" latinLnBrk="1">
+              <a:buNone/>
+            </a:pPr>
+            <a:r>
+              <a:rPr lang="en-US" altLang="ja-JP" dirty="0" err="1"/>
+              <a:t>myProject</a:t>
+            </a:r>
+            <a:r>
+              <a:rPr lang="en-US" altLang="ja-JP" dirty="0"/>
+              <a:t> = </a:t>
+            </a:r>
+            <a:r>
+              <a:rPr lang="en-US" altLang="ja-JP" dirty="0" err="1"/>
+              <a:t>sys.argv</a:t>
+            </a:r>
+            <a:r>
+              <a:rPr lang="en-US" altLang="ja-JP" dirty="0"/>
+              <a:t>[1].replace("'", "\\'")</a:t>
+            </a:r>
+            <a:endParaRPr lang="ja-JP" altLang="ja-JP" dirty="0"/>
+          </a:p>
+          <a:p>
+            <a:pPr marL="0" indent="0" latinLnBrk="1">
+              <a:buNone/>
+            </a:pPr>
+            <a:r>
+              <a:rPr lang="en-US" altLang="ja-JP" dirty="0"/>
+              <a:t>print("</a:t>
+            </a:r>
+            <a:r>
+              <a:rPr lang="en-US" altLang="ja-JP" dirty="0" err="1"/>
+              <a:t>rm</a:t>
+            </a:r>
+            <a:r>
+              <a:rPr lang="en-US" altLang="ja-JP" dirty="0"/>
+              <a:t> %s-error.log") % (</a:t>
+            </a:r>
+            <a:r>
+              <a:rPr lang="en-US" altLang="ja-JP" dirty="0" err="1"/>
+              <a:t>myProject</a:t>
+            </a:r>
+            <a:r>
+              <a:rPr lang="en-US" altLang="ja-JP" dirty="0"/>
+              <a:t>)</a:t>
+            </a:r>
+            <a:endParaRPr lang="ja-JP" altLang="ja-JP" dirty="0"/>
+          </a:p>
+          <a:p>
+            <a:pPr marL="0" indent="0" latinLnBrk="1">
+              <a:buNone/>
+            </a:pPr>
+            <a:r>
+              <a:rPr lang="en-US" altLang="ja-JP" dirty="0"/>
+              <a:t>for line in </a:t>
+            </a:r>
+            <a:r>
+              <a:rPr lang="en-US" altLang="ja-JP" dirty="0" err="1"/>
+              <a:t>sys.stdin</a:t>
+            </a:r>
+            <a:r>
+              <a:rPr lang="en-US" altLang="ja-JP" dirty="0"/>
+              <a:t>:</a:t>
+            </a:r>
+            <a:endParaRPr lang="ja-JP" altLang="ja-JP" dirty="0"/>
+          </a:p>
+          <a:p>
+            <a:pPr marL="0" indent="0" latinLnBrk="1">
+              <a:buNone/>
+            </a:pPr>
+            <a:r>
+              <a:rPr lang="en-US" altLang="ja-JP" dirty="0"/>
+              <a:t>  x = </a:t>
+            </a:r>
+            <a:r>
+              <a:rPr lang="en-US" altLang="ja-JP" dirty="0" err="1"/>
+              <a:t>line.split</a:t>
+            </a:r>
+            <a:r>
+              <a:rPr lang="en-US" altLang="ja-JP" dirty="0"/>
+              <a:t>(',')</a:t>
+            </a:r>
+            <a:endParaRPr lang="ja-JP" altLang="ja-JP" dirty="0"/>
+          </a:p>
+          <a:p>
+            <a:pPr marL="0" indent="0" latinLnBrk="1">
+              <a:buNone/>
+            </a:pPr>
+            <a:r>
+              <a:rPr lang="en-US" altLang="ja-JP" dirty="0"/>
+              <a:t>  </a:t>
+            </a:r>
+            <a:r>
+              <a:rPr lang="en-US" altLang="ja-JP" dirty="0" err="1"/>
+              <a:t>myHash</a:t>
+            </a:r>
+            <a:r>
+              <a:rPr lang="en-US" altLang="ja-JP" dirty="0"/>
+              <a:t> = x[0]</a:t>
+            </a:r>
+            <a:endParaRPr lang="ja-JP" altLang="ja-JP" dirty="0"/>
+          </a:p>
+          <a:p>
+            <a:pPr marL="0" indent="0" latinLnBrk="1">
+              <a:buNone/>
+            </a:pPr>
+            <a:r>
+              <a:rPr lang="en-US" altLang="ja-JP" dirty="0"/>
+              <a:t>  #</a:t>
+            </a:r>
+            <a:r>
+              <a:rPr lang="en-US" altLang="ja-JP" dirty="0" err="1"/>
+              <a:t>git</a:t>
+            </a:r>
+            <a:r>
+              <a:rPr lang="en-US" altLang="ja-JP" dirty="0"/>
+              <a:t> log</a:t>
+            </a:r>
+            <a:r>
+              <a:rPr lang="ja-JP" altLang="ja-JP" dirty="0"/>
+              <a:t>の結果はタイムゾーンがばらばら．すべて</a:t>
+            </a:r>
+            <a:r>
+              <a:rPr lang="en-US" altLang="ja-JP" dirty="0"/>
+              <a:t>UTC</a:t>
+            </a:r>
+            <a:r>
+              <a:rPr lang="ja-JP" altLang="ja-JP" dirty="0" err="1"/>
+              <a:t>に統</a:t>
+            </a:r>
+            <a:r>
+              <a:rPr lang="ja-JP" altLang="ja-JP" dirty="0"/>
+              <a:t>一する．</a:t>
+            </a:r>
+          </a:p>
+          <a:p>
+            <a:pPr marL="0" indent="0" latinLnBrk="1">
+              <a:buNone/>
+            </a:pPr>
+            <a:r>
+              <a:rPr lang="en-US" altLang="ja-JP" dirty="0"/>
+              <a:t>  </a:t>
+            </a:r>
+            <a:r>
+              <a:rPr lang="en-US" altLang="ja-JP" dirty="0" err="1"/>
+              <a:t>myDate</a:t>
+            </a:r>
+            <a:r>
+              <a:rPr lang="en-US" altLang="ja-JP" dirty="0"/>
+              <a:t> = </a:t>
+            </a:r>
+            <a:r>
+              <a:rPr lang="en-US" altLang="ja-JP" dirty="0" err="1"/>
+              <a:t>datetime.strftime</a:t>
+            </a:r>
+            <a:r>
+              <a:rPr lang="en-US" altLang="ja-JP" dirty="0"/>
+              <a:t>(parse(x[1]).</a:t>
+            </a:r>
+            <a:r>
+              <a:rPr lang="en-US" altLang="ja-JP" dirty="0" err="1"/>
+              <a:t>astimezone</a:t>
+            </a:r>
+            <a:r>
+              <a:rPr lang="en-US" altLang="ja-JP" dirty="0"/>
+              <a:t>(</a:t>
+            </a:r>
+            <a:r>
+              <a:rPr lang="en-US" altLang="ja-JP" dirty="0" err="1"/>
+              <a:t>tz.gettz</a:t>
+            </a:r>
+            <a:r>
+              <a:rPr lang="en-US" altLang="ja-JP" dirty="0"/>
+              <a:t>('UTC')), '%Y-%m-%d %H:%M:%S')</a:t>
+            </a:r>
+            <a:endParaRPr lang="ja-JP" altLang="ja-JP" dirty="0"/>
+          </a:p>
+          <a:p>
+            <a:pPr marL="0" indent="0" latinLnBrk="1">
+              <a:buNone/>
+            </a:pPr>
+            <a:r>
+              <a:rPr lang="en-US" altLang="ja-JP" dirty="0"/>
+              <a:t>  print("echo %s &gt;&amp;2") % (</a:t>
+            </a:r>
+            <a:r>
+              <a:rPr lang="en-US" altLang="ja-JP" dirty="0" err="1"/>
+              <a:t>myHash</a:t>
+            </a:r>
+            <a:r>
+              <a:rPr lang="en-US" altLang="ja-JP" dirty="0"/>
+              <a:t>)</a:t>
+            </a:r>
+            <a:endParaRPr lang="ja-JP" altLang="ja-JP" dirty="0"/>
+          </a:p>
+          <a:p>
+            <a:pPr marL="0" indent="0" latinLnBrk="1">
+              <a:buNone/>
+            </a:pPr>
+            <a:r>
+              <a:rPr lang="en-US" altLang="ja-JP" dirty="0"/>
+              <a:t>  print("cd %s") % (</a:t>
+            </a:r>
+            <a:r>
+              <a:rPr lang="en-US" altLang="ja-JP" dirty="0" err="1"/>
+              <a:t>myProject</a:t>
+            </a:r>
+            <a:r>
+              <a:rPr lang="en-US" altLang="ja-JP" dirty="0"/>
+              <a:t>)</a:t>
+            </a:r>
+            <a:endParaRPr lang="ja-JP" altLang="ja-JP" dirty="0"/>
+          </a:p>
+          <a:p>
+            <a:pPr marL="0" indent="0" latinLnBrk="1">
+              <a:buNone/>
+            </a:pPr>
+            <a:r>
+              <a:rPr lang="en-US" altLang="ja-JP" dirty="0"/>
+              <a:t>  print("</a:t>
+            </a:r>
+            <a:r>
+              <a:rPr lang="en-US" altLang="ja-JP" dirty="0" err="1"/>
+              <a:t>git</a:t>
+            </a:r>
+            <a:r>
+              <a:rPr lang="en-US" altLang="ja-JP" dirty="0"/>
+              <a:t> checkout -f %s 2&gt;&gt; ../%s-checkout-error.log") % (</a:t>
+            </a:r>
+            <a:r>
+              <a:rPr lang="en-US" altLang="ja-JP" dirty="0" err="1"/>
+              <a:t>myHash</a:t>
+            </a:r>
+            <a:r>
+              <a:rPr lang="en-US" altLang="ja-JP" dirty="0"/>
+              <a:t>, </a:t>
+            </a:r>
+            <a:r>
+              <a:rPr lang="en-US" altLang="ja-JP" dirty="0" err="1"/>
+              <a:t>myProject</a:t>
+            </a:r>
+            <a:r>
+              <a:rPr lang="en-US" altLang="ja-JP" dirty="0"/>
+              <a:t>)</a:t>
+            </a:r>
+            <a:endParaRPr lang="ja-JP" altLang="ja-JP" dirty="0"/>
+          </a:p>
+          <a:p>
+            <a:pPr marL="0" indent="0" latinLnBrk="1">
+              <a:buNone/>
+            </a:pPr>
+            <a:r>
+              <a:rPr lang="en-US" altLang="ja-JP" dirty="0"/>
+              <a:t>  print("cd ..")</a:t>
+            </a:r>
+            <a:endParaRPr lang="ja-JP" altLang="ja-JP" dirty="0"/>
+          </a:p>
+          <a:p>
+            <a:pPr marL="0" indent="0" latinLnBrk="1">
+              <a:buNone/>
+            </a:pPr>
+            <a:r>
+              <a:rPr lang="en-US" altLang="ja-JP" dirty="0"/>
+              <a:t>  print("if [ -e %s/test ]; then") % (</a:t>
+            </a:r>
+            <a:r>
+              <a:rPr lang="en-US" altLang="ja-JP" dirty="0" err="1"/>
+              <a:t>myProject</a:t>
+            </a:r>
+            <a:r>
+              <a:rPr lang="en-US" altLang="ja-JP" dirty="0"/>
+              <a:t>)</a:t>
+            </a:r>
+            <a:endParaRPr lang="ja-JP" altLang="ja-JP" dirty="0"/>
+          </a:p>
+          <a:p>
+            <a:pPr marL="0" indent="0" latinLnBrk="1">
+              <a:buNone/>
+            </a:pPr>
+            <a:r>
+              <a:rPr lang="en-US" altLang="ja-JP" dirty="0"/>
+              <a:t>  print(" echo %</a:t>
+            </a:r>
+            <a:r>
+              <a:rPr lang="en-US" altLang="ja-JP" dirty="0" err="1"/>
+              <a:t>s,%s</a:t>
+            </a:r>
+            <a:r>
+              <a:rPr lang="en-US" altLang="ja-JP" dirty="0"/>
+              <a:t>,$(</a:t>
+            </a:r>
+            <a:r>
+              <a:rPr lang="en-US" altLang="ja-JP" dirty="0" err="1"/>
+              <a:t>grep</a:t>
+            </a:r>
+            <a:r>
+              <a:rPr lang="en-US" altLang="ja-JP" dirty="0"/>
+              <a:t> -</a:t>
+            </a:r>
+            <a:r>
+              <a:rPr lang="en-US" altLang="ja-JP" dirty="0" err="1"/>
+              <a:t>rI</a:t>
+            </a:r>
+            <a:r>
+              <a:rPr lang="en-US" altLang="ja-JP" dirty="0"/>
+              <a:t> '' '%s' | </a:t>
+            </a:r>
+            <a:r>
+              <a:rPr lang="en-US" altLang="ja-JP" dirty="0" err="1"/>
+              <a:t>grep</a:t>
+            </a:r>
+            <a:r>
+              <a:rPr lang="en-US" altLang="ja-JP" dirty="0"/>
+              <a:t> -v '^%s/\.</a:t>
+            </a:r>
+            <a:r>
+              <a:rPr lang="en-US" altLang="ja-JP" dirty="0" err="1"/>
+              <a:t>git</a:t>
+            </a:r>
+            <a:r>
+              <a:rPr lang="en-US" altLang="ja-JP" dirty="0"/>
+              <a:t>/' | </a:t>
+            </a:r>
+            <a:r>
+              <a:rPr lang="en-US" altLang="ja-JP" dirty="0" err="1"/>
+              <a:t>wc</a:t>
+            </a:r>
+            <a:r>
+              <a:rPr lang="en-US" altLang="ja-JP" dirty="0"/>
+              <a:t> -l),$(</a:t>
+            </a:r>
+            <a:r>
+              <a:rPr lang="en-US" altLang="ja-JP" dirty="0" err="1"/>
+              <a:t>grep</a:t>
+            </a:r>
+            <a:r>
+              <a:rPr lang="en-US" altLang="ja-JP" dirty="0"/>
+              <a:t> -</a:t>
+            </a:r>
+            <a:r>
+              <a:rPr lang="en-US" altLang="ja-JP" dirty="0" err="1"/>
+              <a:t>rI</a:t>
+            </a:r>
+            <a:r>
+              <a:rPr lang="en-US" altLang="ja-JP" dirty="0"/>
+              <a:t> '' '%s/test' | </a:t>
+            </a:r>
+            <a:r>
+              <a:rPr lang="en-US" altLang="ja-JP" dirty="0" err="1"/>
+              <a:t>wc</a:t>
+            </a:r>
+            <a:r>
+              <a:rPr lang="en-US" altLang="ja-JP" dirty="0"/>
+              <a:t> -l)") % (</a:t>
+            </a:r>
+            <a:r>
+              <a:rPr lang="en-US" altLang="ja-JP" dirty="0" err="1"/>
+              <a:t>myHash</a:t>
+            </a:r>
+            <a:r>
+              <a:rPr lang="en-US" altLang="ja-JP" dirty="0"/>
+              <a:t>, </a:t>
+            </a:r>
+            <a:r>
+              <a:rPr lang="en-US" altLang="ja-JP" dirty="0" err="1"/>
+              <a:t>myDate</a:t>
+            </a:r>
+            <a:r>
+              <a:rPr lang="en-US" altLang="ja-JP" dirty="0"/>
+              <a:t>, </a:t>
+            </a:r>
+            <a:r>
+              <a:rPr lang="en-US" altLang="ja-JP" dirty="0" err="1"/>
+              <a:t>myProject</a:t>
+            </a:r>
+            <a:r>
+              <a:rPr lang="en-US" altLang="ja-JP" dirty="0"/>
+              <a:t>, </a:t>
+            </a:r>
+            <a:r>
+              <a:rPr lang="en-US" altLang="ja-JP" dirty="0" err="1"/>
+              <a:t>myProject</a:t>
+            </a:r>
+            <a:r>
+              <a:rPr lang="en-US" altLang="ja-JP" dirty="0"/>
+              <a:t>, </a:t>
+            </a:r>
+            <a:r>
+              <a:rPr lang="en-US" altLang="ja-JP" dirty="0" err="1"/>
+              <a:t>myProject</a:t>
+            </a:r>
+            <a:r>
+              <a:rPr lang="en-US" altLang="ja-JP" dirty="0"/>
+              <a:t>)</a:t>
+            </a:r>
+            <a:endParaRPr lang="ja-JP" altLang="ja-JP" dirty="0"/>
+          </a:p>
+          <a:p>
+            <a:pPr marL="0" indent="0" latinLnBrk="1">
+              <a:buNone/>
+            </a:pPr>
+            <a:r>
+              <a:rPr lang="en-US" altLang="ja-JP" dirty="0"/>
+              <a:t>  print("else")</a:t>
+            </a:r>
+            <a:endParaRPr lang="ja-JP" altLang="ja-JP" dirty="0"/>
+          </a:p>
+          <a:p>
+            <a:pPr marL="0" indent="0" latinLnBrk="1">
+              <a:buNone/>
+            </a:pPr>
+            <a:r>
+              <a:rPr lang="en-US" altLang="ja-JP" dirty="0"/>
+              <a:t>  print(" echo %</a:t>
+            </a:r>
+            <a:r>
+              <a:rPr lang="en-US" altLang="ja-JP" dirty="0" err="1"/>
+              <a:t>s,%s</a:t>
+            </a:r>
+            <a:r>
+              <a:rPr lang="en-US" altLang="ja-JP" dirty="0"/>
+              <a:t>,$(</a:t>
+            </a:r>
+            <a:r>
+              <a:rPr lang="en-US" altLang="ja-JP" dirty="0" err="1"/>
+              <a:t>grep</a:t>
+            </a:r>
+            <a:r>
+              <a:rPr lang="en-US" altLang="ja-JP" dirty="0"/>
+              <a:t> -</a:t>
+            </a:r>
+            <a:r>
+              <a:rPr lang="en-US" altLang="ja-JP" dirty="0" err="1"/>
+              <a:t>rI</a:t>
+            </a:r>
+            <a:r>
+              <a:rPr lang="en-US" altLang="ja-JP" dirty="0"/>
+              <a:t> '' '%s' | </a:t>
+            </a:r>
+            <a:r>
+              <a:rPr lang="en-US" altLang="ja-JP" dirty="0" err="1"/>
+              <a:t>grep</a:t>
+            </a:r>
+            <a:r>
+              <a:rPr lang="en-US" altLang="ja-JP" dirty="0"/>
+              <a:t> -v '^%s/\.</a:t>
+            </a:r>
+            <a:r>
+              <a:rPr lang="en-US" altLang="ja-JP" dirty="0" err="1"/>
+              <a:t>git</a:t>
+            </a:r>
+            <a:r>
+              <a:rPr lang="en-US" altLang="ja-JP" dirty="0"/>
+              <a:t>/' | </a:t>
+            </a:r>
+            <a:r>
+              <a:rPr lang="en-US" altLang="ja-JP" dirty="0" err="1"/>
+              <a:t>wc</a:t>
+            </a:r>
+            <a:r>
+              <a:rPr lang="en-US" altLang="ja-JP" dirty="0"/>
+              <a:t> -l),0") % (</a:t>
+            </a:r>
+            <a:r>
+              <a:rPr lang="en-US" altLang="ja-JP" dirty="0" err="1"/>
+              <a:t>myHash</a:t>
+            </a:r>
+            <a:r>
+              <a:rPr lang="en-US" altLang="ja-JP" dirty="0"/>
+              <a:t>, </a:t>
+            </a:r>
+            <a:r>
+              <a:rPr lang="en-US" altLang="ja-JP" dirty="0" err="1"/>
+              <a:t>myDate</a:t>
+            </a:r>
+            <a:r>
+              <a:rPr lang="en-US" altLang="ja-JP" dirty="0"/>
+              <a:t>, </a:t>
+            </a:r>
+            <a:r>
+              <a:rPr lang="en-US" altLang="ja-JP" dirty="0" err="1"/>
+              <a:t>myProject</a:t>
+            </a:r>
+            <a:r>
+              <a:rPr lang="en-US" altLang="ja-JP" dirty="0"/>
+              <a:t>, </a:t>
+            </a:r>
+            <a:r>
+              <a:rPr lang="en-US" altLang="ja-JP" dirty="0" err="1"/>
+              <a:t>myProject</a:t>
+            </a:r>
+            <a:r>
+              <a:rPr lang="en-US" altLang="ja-JP" dirty="0"/>
+              <a:t>)</a:t>
+            </a:r>
+            <a:endParaRPr lang="ja-JP" altLang="ja-JP" dirty="0"/>
+          </a:p>
+          <a:p>
+            <a:pPr marL="0" indent="0">
+              <a:buNone/>
+            </a:pPr>
+            <a:r>
+              <a:rPr lang="en-US" altLang="ja-JP" dirty="0"/>
+              <a:t>  print("fi")</a:t>
+            </a:r>
+            <a:endParaRPr kumimoji="1" lang="en-US" altLang="ja-JP" dirty="0"/>
+          </a:p>
+        </p:txBody>
+      </p:sp>
+    </p:spTree>
+    <p:extLst>
+      <p:ext uri="{BB962C8B-B14F-4D97-AF65-F5344CB8AC3E}">
+        <p14:creationId xmlns:p14="http://schemas.microsoft.com/office/powerpoint/2010/main" val="2921271402"/>
+      </p:ext>
+    </p:extLst>
+  </p:cSld>
+  <p:clrMapOvr>
+    <a:masterClrMapping/>
+  </p:clrMapOvr>
+  <p:transition spd="slow">
+    <p:fade/>
+  </p:transition>
+  <p:timing>
+    <p:tnLst>
+      <p:par>
+        <p:cTn id="1" dur="indefinite" restart="never" nodeType="tmRoot"/>
+      </p:par>
+    </p:tnLst>
+  </p:timing>
+</p:sld>
+</file>
+
+<file path=ppt/slides/slide17.xml><?xml version="1.0" encoding="utf-8"?>
+<p:sld xmlns:a="http://schemas.openxmlformats.org/drawingml/2006/main" xmlns:r="http://schemas.openxmlformats.org/officeDocument/2006/relationships" xmlns:p="http://schemas.openxmlformats.org/presentationml/2006/main">
+  <p:cSld>
+    <p:spTree>
+      <p:nvGrpSpPr>
+        <p:cNvPr id="1" name=""/>
+        <p:cNvGrpSpPr/>
+        <p:nvPr/>
+      </p:nvGrpSpPr>
+      <p:grpSpPr>
+        <a:xfrm>
+          <a:off x="0" y="0"/>
+          <a:ext cx="0" cy="0"/>
+          <a:chOff x="0" y="0"/>
+          <a:chExt cx="0" cy="0"/>
+        </a:xfrm>
+      </p:grpSpPr>
+      <p:pic>
+        <p:nvPicPr>
+          <p:cNvPr id="2050" name="Picture 2" descr="Z:\GitHub\yabukilab\卒業論文\2012\清水竜吾\別途資料\コミットごとの行数\IMG\グループ分け\1\zepto-lines.png"/>
+          <p:cNvPicPr>
+            <a:picLocks noChangeAspect="1" noChangeArrowheads="1"/>
+          </p:cNvPicPr>
+          <p:nvPr/>
+        </p:nvPicPr>
+        <p:blipFill>
+          <a:blip r:embed="rId2" cstate="email">
+            <a:extLst>
+              <a:ext uri="{28A0092B-C50C-407E-A947-70E740481C1C}">
+                <a14:useLocalDpi xmlns:a14="http://schemas.microsoft.com/office/drawing/2010/main" val="0"/>
+              </a:ext>
+            </a:extLst>
+          </a:blip>
+          <a:srcRect/>
+          <a:stretch>
+            <a:fillRect/>
+          </a:stretch>
+        </p:blipFill>
+        <p:spPr bwMode="auto">
+          <a:xfrm>
+            <a:off x="5381824" y="4881140"/>
+            <a:ext cx="2400300" cy="1500188"/>
+          </a:xfrm>
+          <a:prstGeom prst="rect">
+            <a:avLst/>
+          </a:prstGeom>
+          <a:noFill/>
+          <a:extLst>
+            <a:ext uri="{909E8E84-426E-40DD-AFC4-6F175D3DCCD1}">
+              <a14:hiddenFill xmlns:a14="http://schemas.microsoft.com/office/drawing/2010/main">
+                <a:solidFill>
+                  <a:srgbClr val="FFFFFF"/>
+                </a:solidFill>
+              </a14:hiddenFill>
+            </a:ext>
+          </a:extLst>
+        </p:spPr>
+      </p:pic>
+      <p:pic>
+        <p:nvPicPr>
+          <p:cNvPr id="2051" name="Picture 3" descr="Z:\GitHub\yabukilab\卒業論文\2012\清水竜吾\別途資料\コミットごとの行数\IMG\グループ分け\1\backbone-lines.png"/>
+          <p:cNvPicPr>
+            <a:picLocks noChangeAspect="1" noChangeArrowheads="1"/>
+          </p:cNvPicPr>
+          <p:nvPr/>
+        </p:nvPicPr>
+        <p:blipFill>
+          <a:blip r:embed="rId3" cstate="email">
+            <a:extLst>
+              <a:ext uri="{28A0092B-C50C-407E-A947-70E740481C1C}">
+                <a14:useLocalDpi xmlns:a14="http://schemas.microsoft.com/office/drawing/2010/main" val="0"/>
+              </a:ext>
+            </a:extLst>
+          </a:blip>
+          <a:srcRect/>
+          <a:stretch>
+            <a:fillRect/>
+          </a:stretch>
+        </p:blipFill>
+        <p:spPr bwMode="auto">
+          <a:xfrm>
+            <a:off x="581224" y="1880764"/>
+            <a:ext cx="2400300" cy="1500188"/>
+          </a:xfrm>
+          <a:prstGeom prst="rect">
+            <a:avLst/>
+          </a:prstGeom>
+          <a:noFill/>
+          <a:extLst>
+            <a:ext uri="{909E8E84-426E-40DD-AFC4-6F175D3DCCD1}">
+              <a14:hiddenFill xmlns:a14="http://schemas.microsoft.com/office/drawing/2010/main">
+                <a:solidFill>
+                  <a:srgbClr val="FFFFFF"/>
+                </a:solidFill>
+              </a14:hiddenFill>
+            </a:ext>
+          </a:extLst>
+        </p:spPr>
+      </p:pic>
+      <p:pic>
+        <p:nvPicPr>
+          <p:cNvPr id="2052" name="Picture 4" descr="Z:\GitHub\yabukilab\卒業論文\2012\清水竜吾\別途資料\コミットごとの行数\IMG\グループ分け\1\devise-lines.png"/>
+          <p:cNvPicPr>
+            <a:picLocks noChangeAspect="1" noChangeArrowheads="1"/>
+          </p:cNvPicPr>
+          <p:nvPr/>
+        </p:nvPicPr>
+        <p:blipFill>
+          <a:blip r:embed="rId4" cstate="email">
+            <a:extLst>
+              <a:ext uri="{28A0092B-C50C-407E-A947-70E740481C1C}">
+                <a14:useLocalDpi xmlns:a14="http://schemas.microsoft.com/office/drawing/2010/main" val="0"/>
+              </a:ext>
+            </a:extLst>
+          </a:blip>
+          <a:srcRect/>
+          <a:stretch>
+            <a:fillRect/>
+          </a:stretch>
+        </p:blipFill>
+        <p:spPr bwMode="auto">
+          <a:xfrm>
+            <a:off x="2981524" y="1880764"/>
+            <a:ext cx="2400300" cy="1500188"/>
+          </a:xfrm>
+          <a:prstGeom prst="rect">
+            <a:avLst/>
+          </a:prstGeom>
+          <a:noFill/>
+          <a:extLst>
+            <a:ext uri="{909E8E84-426E-40DD-AFC4-6F175D3DCCD1}">
+              <a14:hiddenFill xmlns:a14="http://schemas.microsoft.com/office/drawing/2010/main">
+                <a:solidFill>
+                  <a:srgbClr val="FFFFFF"/>
+                </a:solidFill>
+              </a14:hiddenFill>
+            </a:ext>
+          </a:extLst>
+        </p:spPr>
+      </p:pic>
+      <p:pic>
+        <p:nvPicPr>
+          <p:cNvPr id="2053" name="Picture 5" descr="Z:\GitHub\yabukilab\卒業論文\2012\清水竜吾\別途資料\コミットごとの行数\IMG\グループ分け\1\jquery-lines.png"/>
+          <p:cNvPicPr>
+            <a:picLocks noChangeAspect="1" noChangeArrowheads="1"/>
+          </p:cNvPicPr>
+          <p:nvPr/>
+        </p:nvPicPr>
+        <p:blipFill>
+          <a:blip r:embed="rId5" cstate="email">
+            <a:extLst>
+              <a:ext uri="{28A0092B-C50C-407E-A947-70E740481C1C}">
+                <a14:useLocalDpi xmlns:a14="http://schemas.microsoft.com/office/drawing/2010/main" val="0"/>
+              </a:ext>
+            </a:extLst>
+          </a:blip>
+          <a:srcRect/>
+          <a:stretch>
+            <a:fillRect/>
+          </a:stretch>
+        </p:blipFill>
+        <p:spPr bwMode="auto">
+          <a:xfrm>
+            <a:off x="5381824" y="1880764"/>
+            <a:ext cx="2400300" cy="1500188"/>
+          </a:xfrm>
+          <a:prstGeom prst="rect">
+            <a:avLst/>
+          </a:prstGeom>
+          <a:noFill/>
+          <a:extLst>
+            <a:ext uri="{909E8E84-426E-40DD-AFC4-6F175D3DCCD1}">
+              <a14:hiddenFill xmlns:a14="http://schemas.microsoft.com/office/drawing/2010/main">
+                <a:solidFill>
+                  <a:srgbClr val="FFFFFF"/>
+                </a:solidFill>
+              </a14:hiddenFill>
+            </a:ext>
+          </a:extLst>
+        </p:spPr>
+      </p:pic>
+      <p:pic>
+        <p:nvPicPr>
+          <p:cNvPr id="2054" name="Picture 6" descr="Z:\GitHub\yabukilab\卒業論文\2012\清水竜吾\別途資料\コミットごとの行数\IMG\グループ分け\1\jquery-pjax-lines.png"/>
+          <p:cNvPicPr>
+            <a:picLocks noChangeAspect="1" noChangeArrowheads="1"/>
+          </p:cNvPicPr>
+          <p:nvPr/>
+        </p:nvPicPr>
+        <p:blipFill>
+          <a:blip r:embed="rId6" cstate="email">
+            <a:extLst>
+              <a:ext uri="{28A0092B-C50C-407E-A947-70E740481C1C}">
+                <a14:useLocalDpi xmlns:a14="http://schemas.microsoft.com/office/drawing/2010/main" val="0"/>
+              </a:ext>
+            </a:extLst>
+          </a:blip>
+          <a:srcRect/>
+          <a:stretch>
+            <a:fillRect/>
+          </a:stretch>
+        </p:blipFill>
+        <p:spPr bwMode="auto">
+          <a:xfrm>
+            <a:off x="599604" y="3380952"/>
+            <a:ext cx="2400300" cy="1500188"/>
+          </a:xfrm>
+          <a:prstGeom prst="rect">
+            <a:avLst/>
+          </a:prstGeom>
+          <a:noFill/>
+          <a:extLst>
+            <a:ext uri="{909E8E84-426E-40DD-AFC4-6F175D3DCCD1}">
+              <a14:hiddenFill xmlns:a14="http://schemas.microsoft.com/office/drawing/2010/main">
+                <a:solidFill>
+                  <a:srgbClr val="FFFFFF"/>
+                </a:solidFill>
+              </a14:hiddenFill>
+            </a:ext>
+          </a:extLst>
+        </p:spPr>
+      </p:pic>
+      <p:pic>
+        <p:nvPicPr>
+          <p:cNvPr id="2055" name="Picture 7" descr="Z:\GitHub\yabukilab\卒業論文\2012\清水竜吾\別途資料\コミットごとの行数\IMG\グループ分け\1\moment-lines.png"/>
+          <p:cNvPicPr>
+            <a:picLocks noChangeAspect="1" noChangeArrowheads="1"/>
+          </p:cNvPicPr>
+          <p:nvPr/>
+        </p:nvPicPr>
+        <p:blipFill>
+          <a:blip r:embed="rId7" cstate="email">
+            <a:extLst>
+              <a:ext uri="{28A0092B-C50C-407E-A947-70E740481C1C}">
+                <a14:useLocalDpi xmlns:a14="http://schemas.microsoft.com/office/drawing/2010/main" val="0"/>
+              </a:ext>
+            </a:extLst>
+          </a:blip>
+          <a:srcRect/>
+          <a:stretch>
+            <a:fillRect/>
+          </a:stretch>
+        </p:blipFill>
+        <p:spPr bwMode="auto">
+          <a:xfrm>
+            <a:off x="2999904" y="3380952"/>
+            <a:ext cx="2400300" cy="1500188"/>
+          </a:xfrm>
+          <a:prstGeom prst="rect">
+            <a:avLst/>
+          </a:prstGeom>
+          <a:noFill/>
+          <a:extLst>
+            <a:ext uri="{909E8E84-426E-40DD-AFC4-6F175D3DCCD1}">
+              <a14:hiddenFill xmlns:a14="http://schemas.microsoft.com/office/drawing/2010/main">
+                <a:solidFill>
+                  <a:srgbClr val="FFFFFF"/>
+                </a:solidFill>
+              </a14:hiddenFill>
+            </a:ext>
+          </a:extLst>
+        </p:spPr>
+      </p:pic>
+      <p:pic>
+        <p:nvPicPr>
+          <p:cNvPr id="2056" name="Picture 8" descr="Z:\GitHub\yabukilab\卒業論文\2012\清水竜吾\別途資料\コミットごとの行数\IMG\グループ分け\1\paperclip-lines.png"/>
+          <p:cNvPicPr>
+            <a:picLocks noChangeAspect="1" noChangeArrowheads="1"/>
+          </p:cNvPicPr>
+          <p:nvPr/>
+        </p:nvPicPr>
+        <p:blipFill>
+          <a:blip r:embed="rId8" cstate="email">
+            <a:extLst>
+              <a:ext uri="{28A0092B-C50C-407E-A947-70E740481C1C}">
+                <a14:useLocalDpi xmlns:a14="http://schemas.microsoft.com/office/drawing/2010/main" val="0"/>
+              </a:ext>
+            </a:extLst>
+          </a:blip>
+          <a:srcRect/>
+          <a:stretch>
+            <a:fillRect/>
+          </a:stretch>
+        </p:blipFill>
+        <p:spPr bwMode="auto">
+          <a:xfrm>
+            <a:off x="5400204" y="3380952"/>
+            <a:ext cx="2400300" cy="1500188"/>
+          </a:xfrm>
+          <a:prstGeom prst="rect">
+            <a:avLst/>
+          </a:prstGeom>
+          <a:noFill/>
+          <a:extLst>
+            <a:ext uri="{909E8E84-426E-40DD-AFC4-6F175D3DCCD1}">
+              <a14:hiddenFill xmlns:a14="http://schemas.microsoft.com/office/drawing/2010/main">
+                <a:solidFill>
+                  <a:srgbClr val="FFFFFF"/>
+                </a:solidFill>
+              </a14:hiddenFill>
+            </a:ext>
+          </a:extLst>
+        </p:spPr>
+      </p:pic>
+      <p:pic>
+        <p:nvPicPr>
+          <p:cNvPr id="2057" name="Picture 9" descr="Z:\GitHub\yabukilab\卒業論文\2012\清水竜吾\別途資料\コミットごとの行数\IMG\グループ分け\1\Respond-lines.png"/>
+          <p:cNvPicPr>
+            <a:picLocks noChangeAspect="1" noChangeArrowheads="1"/>
+          </p:cNvPicPr>
+          <p:nvPr/>
+        </p:nvPicPr>
+        <p:blipFill>
+          <a:blip r:embed="rId9" cstate="email">
+            <a:extLst>
+              <a:ext uri="{28A0092B-C50C-407E-A947-70E740481C1C}">
+                <a14:useLocalDpi xmlns:a14="http://schemas.microsoft.com/office/drawing/2010/main" val="0"/>
+              </a:ext>
+            </a:extLst>
+          </a:blip>
+          <a:srcRect/>
+          <a:stretch>
+            <a:fillRect/>
+          </a:stretch>
+        </p:blipFill>
+        <p:spPr bwMode="auto">
+          <a:xfrm>
+            <a:off x="599604" y="4881140"/>
+            <a:ext cx="2400300" cy="1500188"/>
+          </a:xfrm>
+          <a:prstGeom prst="rect">
+            <a:avLst/>
+          </a:prstGeom>
+          <a:noFill/>
+          <a:extLst>
+            <a:ext uri="{909E8E84-426E-40DD-AFC4-6F175D3DCCD1}">
+              <a14:hiddenFill xmlns:a14="http://schemas.microsoft.com/office/drawing/2010/main">
+                <a:solidFill>
+                  <a:srgbClr val="FFFFFF"/>
+                </a:solidFill>
+              </a14:hiddenFill>
+            </a:ext>
+          </a:extLst>
+        </p:spPr>
+      </p:pic>
+      <p:pic>
+        <p:nvPicPr>
+          <p:cNvPr id="2058" name="Picture 10" descr="Z:\GitHub\yabukilab\卒業論文\2012\清水竜吾\別途資料\コミットごとの行数\IMG\グループ分け\1\underscore-lines.png"/>
+          <p:cNvPicPr>
+            <a:picLocks noChangeAspect="1" noChangeArrowheads="1"/>
+          </p:cNvPicPr>
+          <p:nvPr/>
+        </p:nvPicPr>
+        <p:blipFill>
+          <a:blip r:embed="rId10" cstate="email">
+            <a:extLst>
+              <a:ext uri="{28A0092B-C50C-407E-A947-70E740481C1C}">
+                <a14:useLocalDpi xmlns:a14="http://schemas.microsoft.com/office/drawing/2010/main" val="0"/>
+              </a:ext>
+            </a:extLst>
+          </a:blip>
+          <a:srcRect/>
+          <a:stretch>
+            <a:fillRect/>
+          </a:stretch>
+        </p:blipFill>
+        <p:spPr bwMode="auto">
+          <a:xfrm>
+            <a:off x="2999904" y="4881140"/>
+            <a:ext cx="2400300" cy="1500188"/>
+          </a:xfrm>
+          <a:prstGeom prst="rect">
+            <a:avLst/>
+          </a:prstGeom>
+          <a:noFill/>
+          <a:extLst>
+            <a:ext uri="{909E8E84-426E-40DD-AFC4-6F175D3DCCD1}">
+              <a14:hiddenFill xmlns:a14="http://schemas.microsoft.com/office/drawing/2010/main">
+                <a:solidFill>
+                  <a:srgbClr val="FFFFFF"/>
+                </a:solidFill>
+              </a14:hiddenFill>
+            </a:ext>
+          </a:extLst>
+        </p:spPr>
+      </p:pic>
+      <p:sp>
+        <p:nvSpPr>
+          <p:cNvPr id="13" name="Title 1"/>
+          <p:cNvSpPr txBox="1">
+            <a:spLocks/>
+          </p:cNvSpPr>
+          <p:nvPr/>
+        </p:nvSpPr>
+        <p:spPr>
+          <a:xfrm>
+            <a:off x="457200" y="914400"/>
+            <a:ext cx="4648200" cy="914400"/>
+          </a:xfrm>
+          <a:prstGeom prst="rect">
+            <a:avLst/>
+          </a:prstGeom>
+        </p:spPr>
+        <p:txBody>
+          <a:bodyPr vert="horz" lIns="91440" tIns="45720" rIns="91440" bIns="45720" rtlCol="0" anchor="t">
+            <a:normAutofit/>
+          </a:bodyPr>
+          <a:lstStyle>
+            <a:lvl1pPr algn="l" defTabSz="914400" rtl="0" eaLnBrk="1" latinLnBrk="0" hangingPunct="1">
+              <a:spcBef>
+                <a:spcPct val="0"/>
+              </a:spcBef>
+              <a:buNone/>
+              <a:defRPr kumimoji="0" lang="ja-JP" sz="2800" kern="1200">
+                <a:solidFill>
+                  <a:schemeClr val="tx1"/>
+                </a:solidFill>
+                <a:latin typeface="Georgia" pitchFamily="18" charset="0"/>
+                <a:ea typeface="+mj-ea"/>
+                <a:cs typeface="+mj-cs"/>
+              </a:defRPr>
+            </a:lvl1pPr>
+          </a:lstStyle>
+          <a:p>
+            <a:r>
+              <a:rPr kumimoji="1" lang="ja-JP" altLang="en-US" sz="3200" dirty="0" smtClean="0"/>
+              <a:t>パターン１</a:t>
+            </a:r>
+            <a:endParaRPr kumimoji="1" lang="ja-JP" altLang="en-US" sz="3200" dirty="0"/>
+          </a:p>
+        </p:txBody>
+      </p:sp>
+      <p:cxnSp>
+        <p:nvCxnSpPr>
+          <p:cNvPr id="14" name="直線コネクタ 13"/>
+          <p:cNvCxnSpPr/>
+          <p:nvPr/>
+        </p:nvCxnSpPr>
+        <p:spPr>
+          <a:xfrm>
+            <a:off x="611560" y="1484784"/>
+            <a:ext cx="7920880" cy="0"/>
+          </a:xfrm>
+          <a:prstGeom prst="line">
+            <a:avLst/>
+          </a:prstGeom>
+          <a:ln w="63500">
+            <a:gradFill flip="none" rotWithShape="1">
+              <a:gsLst>
+                <a:gs pos="0">
+                  <a:schemeClr val="tx2"/>
+                </a:gs>
+                <a:gs pos="50000">
+                  <a:schemeClr val="accent1">
+                    <a:tint val="44500"/>
+                    <a:satMod val="160000"/>
+                  </a:schemeClr>
+                </a:gs>
+                <a:gs pos="100000">
+                  <a:schemeClr val="accent1">
+                    <a:tint val="23500"/>
+                    <a:satMod val="160000"/>
+                  </a:schemeClr>
+                </a:gs>
+              </a:gsLst>
+              <a:path path="circle">
+                <a:fillToRect r="100000" b="100000"/>
+              </a:path>
+              <a:tileRect l="-100000" t="-100000"/>
+            </a:gradFill>
+          </a:ln>
+          <a:effectLst>
+            <a:outerShdw blurRad="152400" dist="317500" dir="5400000" sx="90000" sy="-19000" rotWithShape="0">
+              <a:srgbClr val="FF0000">
+                <a:alpha val="15000"/>
+              </a:srgbClr>
+            </a:outerShdw>
+          </a:effectLst>
+        </p:spPr>
+        <p:style>
+          <a:lnRef idx="1">
+            <a:schemeClr val="accent1"/>
+          </a:lnRef>
+          <a:fillRef idx="0">
+            <a:schemeClr val="accent1"/>
+          </a:fillRef>
+          <a:effectRef idx="0">
+            <a:schemeClr val="accent1"/>
+          </a:effectRef>
+          <a:fontRef idx="minor">
+            <a:schemeClr val="tx1"/>
+          </a:fontRef>
+        </p:style>
+      </p:cxnSp>
+    </p:spTree>
+    <p:extLst>
+      <p:ext uri="{BB962C8B-B14F-4D97-AF65-F5344CB8AC3E}">
+        <p14:creationId xmlns:p14="http://schemas.microsoft.com/office/powerpoint/2010/main" val="1510021656"/>
+      </p:ext>
+    </p:extLst>
+  </p:cSld>
+  <p:clrMapOvr>
+    <a:masterClrMapping/>
+  </p:clrMapOvr>
+  <p:transition spd="slow">
+    <p:fade/>
+  </p:transition>
+  <p:timing>
+    <p:tnLst>
+      <p:par>
+        <p:cTn id="1" dur="indefinite" restart="never" nodeType="tmRoot"/>
+      </p:par>
+    </p:tnLst>
+  </p:timing>
+</p:sld>
+</file>
+
+<file path=ppt/slides/slide18.xml><?xml version="1.0" encoding="utf-8"?>
+<p:sld xmlns:a="http://schemas.openxmlformats.org/drawingml/2006/main" xmlns:r="http://schemas.openxmlformats.org/officeDocument/2006/relationships" xmlns:p="http://schemas.openxmlformats.org/presentationml/2006/main">
+  <p:cSld>
+    <p:spTree>
+      <p:nvGrpSpPr>
+        <p:cNvPr id="1" name=""/>
+        <p:cNvGrpSpPr/>
+        <p:nvPr/>
+      </p:nvGrpSpPr>
+      <p:grpSpPr>
+        <a:xfrm>
+          <a:off x="0" y="0"/>
+          <a:ext cx="0" cy="0"/>
+          <a:chOff x="0" y="0"/>
+          <a:chExt cx="0" cy="0"/>
+        </a:xfrm>
+      </p:grpSpPr>
+      <p:sp>
+        <p:nvSpPr>
+          <p:cNvPr id="13" name="Title 1"/>
+          <p:cNvSpPr txBox="1">
+            <a:spLocks/>
+          </p:cNvSpPr>
+          <p:nvPr/>
+        </p:nvSpPr>
+        <p:spPr>
+          <a:xfrm>
+            <a:off x="457200" y="914400"/>
+            <a:ext cx="4648200" cy="914400"/>
+          </a:xfrm>
+          <a:prstGeom prst="rect">
+            <a:avLst/>
+          </a:prstGeom>
+        </p:spPr>
+        <p:txBody>
+          <a:bodyPr vert="horz" lIns="91440" tIns="45720" rIns="91440" bIns="45720" rtlCol="0" anchor="t">
+            <a:normAutofit/>
+          </a:bodyPr>
+          <a:lstStyle>
+            <a:lvl1pPr algn="l" defTabSz="914400" rtl="0" eaLnBrk="1" latinLnBrk="0" hangingPunct="1">
+              <a:spcBef>
+                <a:spcPct val="0"/>
+              </a:spcBef>
+              <a:buNone/>
+              <a:defRPr kumimoji="0" lang="ja-JP" sz="2800" kern="1200">
+                <a:solidFill>
+                  <a:schemeClr val="tx1"/>
+                </a:solidFill>
+                <a:latin typeface="Georgia" pitchFamily="18" charset="0"/>
+                <a:ea typeface="+mj-ea"/>
+                <a:cs typeface="+mj-cs"/>
+              </a:defRPr>
+            </a:lvl1pPr>
+          </a:lstStyle>
+          <a:p>
+            <a:r>
+              <a:rPr kumimoji="1" lang="ja-JP" altLang="en-US" sz="3200" dirty="0" smtClean="0"/>
+              <a:t>パターン２</a:t>
+            </a:r>
+            <a:endParaRPr kumimoji="1" lang="ja-JP" altLang="en-US" sz="3200" dirty="0"/>
+          </a:p>
+        </p:txBody>
+      </p:sp>
+      <p:cxnSp>
+        <p:nvCxnSpPr>
+          <p:cNvPr id="14" name="直線コネクタ 13"/>
+          <p:cNvCxnSpPr/>
+          <p:nvPr/>
+        </p:nvCxnSpPr>
+        <p:spPr>
+          <a:xfrm>
+            <a:off x="611560" y="1484784"/>
+            <a:ext cx="7920880" cy="0"/>
+          </a:xfrm>
+          <a:prstGeom prst="line">
+            <a:avLst/>
+          </a:prstGeom>
+          <a:ln w="63500">
+            <a:gradFill flip="none" rotWithShape="1">
+              <a:gsLst>
+                <a:gs pos="0">
+                  <a:schemeClr val="tx2"/>
+                </a:gs>
+                <a:gs pos="50000">
+                  <a:schemeClr val="accent1">
+                    <a:tint val="44500"/>
+                    <a:satMod val="160000"/>
+                  </a:schemeClr>
+                </a:gs>
+                <a:gs pos="100000">
+                  <a:schemeClr val="accent1">
+                    <a:tint val="23500"/>
+                    <a:satMod val="160000"/>
+                  </a:schemeClr>
+                </a:gs>
+              </a:gsLst>
+              <a:path path="circle">
+                <a:fillToRect r="100000" b="100000"/>
+              </a:path>
+              <a:tileRect l="-100000" t="-100000"/>
+            </a:gradFill>
+          </a:ln>
+          <a:effectLst>
+            <a:outerShdw blurRad="152400" dist="317500" dir="5400000" sx="90000" sy="-19000" rotWithShape="0">
+              <a:srgbClr val="FF0000">
+                <a:alpha val="15000"/>
+              </a:srgbClr>
+            </a:outerShdw>
+          </a:effectLst>
+        </p:spPr>
+        <p:style>
+          <a:lnRef idx="1">
+            <a:schemeClr val="accent1"/>
+          </a:lnRef>
+          <a:fillRef idx="0">
+            <a:schemeClr val="accent1"/>
+          </a:fillRef>
+          <a:effectRef idx="0">
+            <a:schemeClr val="accent1"/>
+          </a:effectRef>
+          <a:fontRef idx="minor">
+            <a:schemeClr val="tx1"/>
+          </a:fontRef>
+        </p:style>
+      </p:cxnSp>
+      <p:pic>
+        <p:nvPicPr>
+          <p:cNvPr id="3074" name="Picture 2" descr="Z:\GitHub\yabukilab\卒業論文\2012\清水竜吾\別途資料\コミットごとの行数\IMG\グループ分け\2\socket.io-lines.png"/>
+          <p:cNvPicPr>
+            <a:picLocks noChangeAspect="1" noChangeArrowheads="1"/>
+          </p:cNvPicPr>
+          <p:nvPr/>
+        </p:nvPicPr>
+        <p:blipFill>
+          <a:blip r:embed="rId2" cstate="email">
+            <a:extLst>
+              <a:ext uri="{28A0092B-C50C-407E-A947-70E740481C1C}">
+                <a14:useLocalDpi xmlns:a14="http://schemas.microsoft.com/office/drawing/2010/main" val="0"/>
+              </a:ext>
+            </a:extLst>
+          </a:blip>
+          <a:srcRect/>
+          <a:stretch>
+            <a:fillRect/>
+          </a:stretch>
+        </p:blipFill>
+        <p:spPr bwMode="auto">
+          <a:xfrm>
+            <a:off x="3371850" y="1800000"/>
+            <a:ext cx="2400300" cy="1500188"/>
+          </a:xfrm>
+          <a:prstGeom prst="rect">
+            <a:avLst/>
+          </a:prstGeom>
+          <a:noFill/>
+          <a:extLst>
+            <a:ext uri="{909E8E84-426E-40DD-AFC4-6F175D3DCCD1}">
+              <a14:hiddenFill xmlns:a14="http://schemas.microsoft.com/office/drawing/2010/main">
+                <a:solidFill>
+                  <a:srgbClr val="FFFFFF"/>
+                </a:solidFill>
+              </a14:hiddenFill>
+            </a:ext>
+          </a:extLst>
+        </p:spPr>
+      </p:pic>
+      <p:pic>
+        <p:nvPicPr>
+          <p:cNvPr id="3075" name="Picture 3" descr="Z:\GitHub\yabukilab\卒業論文\2012\清水竜吾\別途資料\コミットごとの行数\IMG\グループ分け\2\async-lines.png"/>
+          <p:cNvPicPr>
+            <a:picLocks noChangeAspect="1" noChangeArrowheads="1"/>
+          </p:cNvPicPr>
+          <p:nvPr/>
+        </p:nvPicPr>
+        <p:blipFill>
+          <a:blip r:embed="rId3" cstate="email">
+            <a:extLst>
+              <a:ext uri="{28A0092B-C50C-407E-A947-70E740481C1C}">
+                <a14:useLocalDpi xmlns:a14="http://schemas.microsoft.com/office/drawing/2010/main" val="0"/>
+              </a:ext>
+            </a:extLst>
+          </a:blip>
+          <a:srcRect/>
+          <a:stretch>
+            <a:fillRect/>
+          </a:stretch>
+        </p:blipFill>
+        <p:spPr bwMode="auto">
+          <a:xfrm>
+            <a:off x="929321" y="1828800"/>
+            <a:ext cx="2400300" cy="1500188"/>
+          </a:xfrm>
+          <a:prstGeom prst="rect">
+            <a:avLst/>
+          </a:prstGeom>
+          <a:noFill/>
+          <a:extLst>
+            <a:ext uri="{909E8E84-426E-40DD-AFC4-6F175D3DCCD1}">
+              <a14:hiddenFill xmlns:a14="http://schemas.microsoft.com/office/drawing/2010/main">
+                <a:solidFill>
+                  <a:srgbClr val="FFFFFF"/>
+                </a:solidFill>
+              </a14:hiddenFill>
+            </a:ext>
+          </a:extLst>
+        </p:spPr>
+      </p:pic>
+      <p:pic>
+        <p:nvPicPr>
+          <p:cNvPr id="3076" name="Picture 4" descr="Z:\GitHub\yabukilab\卒業論文\2012\清水竜吾\別途資料\コミットごとの行数\IMG\グループ分け\2\bower-lines.png"/>
+          <p:cNvPicPr>
+            <a:picLocks noChangeAspect="1" noChangeArrowheads="1"/>
+          </p:cNvPicPr>
+          <p:nvPr/>
+        </p:nvPicPr>
+        <p:blipFill>
+          <a:blip r:embed="rId4" cstate="email">
+            <a:extLst>
+              <a:ext uri="{28A0092B-C50C-407E-A947-70E740481C1C}">
+                <a14:useLocalDpi xmlns:a14="http://schemas.microsoft.com/office/drawing/2010/main" val="0"/>
+              </a:ext>
+            </a:extLst>
+          </a:blip>
+          <a:srcRect/>
+          <a:stretch>
+            <a:fillRect/>
+          </a:stretch>
+        </p:blipFill>
+        <p:spPr bwMode="auto">
+          <a:xfrm>
+            <a:off x="5772150" y="1828800"/>
+            <a:ext cx="2400300" cy="1500188"/>
+          </a:xfrm>
+          <a:prstGeom prst="rect">
+            <a:avLst/>
+          </a:prstGeom>
+          <a:noFill/>
+          <a:extLst>
+            <a:ext uri="{909E8E84-426E-40DD-AFC4-6F175D3DCCD1}">
+              <a14:hiddenFill xmlns:a14="http://schemas.microsoft.com/office/drawing/2010/main">
+                <a:solidFill>
+                  <a:srgbClr val="FFFFFF"/>
+                </a:solidFill>
+              </a14:hiddenFill>
+            </a:ext>
+          </a:extLst>
+        </p:spPr>
+      </p:pic>
+      <p:pic>
+        <p:nvPicPr>
+          <p:cNvPr id="3077" name="Picture 5" descr="Z:\GitHub\yabukilab\卒業論文\2012\清水竜吾\別途資料\コミットごとの行数\IMG\グループ分け\2\brackets-lines.png"/>
+          <p:cNvPicPr>
+            <a:picLocks noChangeAspect="1" noChangeArrowheads="1"/>
+          </p:cNvPicPr>
+          <p:nvPr/>
+        </p:nvPicPr>
+        <p:blipFill>
+          <a:blip r:embed="rId5" cstate="email">
+            <a:extLst>
+              <a:ext uri="{28A0092B-C50C-407E-A947-70E740481C1C}">
+                <a14:useLocalDpi xmlns:a14="http://schemas.microsoft.com/office/drawing/2010/main" val="0"/>
+              </a:ext>
+            </a:extLst>
+          </a:blip>
+          <a:srcRect/>
+          <a:stretch>
+            <a:fillRect/>
+          </a:stretch>
+        </p:blipFill>
+        <p:spPr bwMode="auto">
+          <a:xfrm>
+            <a:off x="971550" y="3300188"/>
+            <a:ext cx="2400300" cy="1500188"/>
+          </a:xfrm>
+          <a:prstGeom prst="rect">
+            <a:avLst/>
+          </a:prstGeom>
+          <a:noFill/>
+          <a:extLst>
+            <a:ext uri="{909E8E84-426E-40DD-AFC4-6F175D3DCCD1}">
+              <a14:hiddenFill xmlns:a14="http://schemas.microsoft.com/office/drawing/2010/main">
+                <a:solidFill>
+                  <a:srgbClr val="FFFFFF"/>
+                </a:solidFill>
+              </a14:hiddenFill>
+            </a:ext>
+          </a:extLst>
+        </p:spPr>
+      </p:pic>
+      <p:pic>
+        <p:nvPicPr>
+          <p:cNvPr id="3078" name="Picture 6" descr="Z:\GitHub\yabukilab\卒業論文\2012\清水竜吾\別途資料\コミットごとの行数\IMG\グループ分け\2\d3-lines.png"/>
+          <p:cNvPicPr>
+            <a:picLocks noChangeAspect="1" noChangeArrowheads="1"/>
+          </p:cNvPicPr>
+          <p:nvPr/>
+        </p:nvPicPr>
+        <p:blipFill>
+          <a:blip r:embed="rId6" cstate="email">
+            <a:extLst>
+              <a:ext uri="{28A0092B-C50C-407E-A947-70E740481C1C}">
+                <a14:useLocalDpi xmlns:a14="http://schemas.microsoft.com/office/drawing/2010/main" val="0"/>
+              </a:ext>
+            </a:extLst>
+          </a:blip>
+          <a:srcRect/>
+          <a:stretch>
+            <a:fillRect/>
+          </a:stretch>
+        </p:blipFill>
+        <p:spPr bwMode="auto">
+          <a:xfrm>
+            <a:off x="3371850" y="3347104"/>
+            <a:ext cx="2400300" cy="1500188"/>
+          </a:xfrm>
+          <a:prstGeom prst="rect">
+            <a:avLst/>
+          </a:prstGeom>
+          <a:noFill/>
+          <a:extLst>
+            <a:ext uri="{909E8E84-426E-40DD-AFC4-6F175D3DCCD1}">
+              <a14:hiddenFill xmlns:a14="http://schemas.microsoft.com/office/drawing/2010/main">
+                <a:solidFill>
+                  <a:srgbClr val="FFFFFF"/>
+                </a:solidFill>
+              </a14:hiddenFill>
+            </a:ext>
+          </a:extLst>
+        </p:spPr>
+      </p:pic>
+      <p:pic>
+        <p:nvPicPr>
+          <p:cNvPr id="3079" name="Picture 7" descr="Z:\GitHub\yabukilab\卒業論文\2012\清水竜吾\別途資料\コミットごとの行数\IMG\グループ分け\2\express-lines.png"/>
+          <p:cNvPicPr>
+            <a:picLocks noChangeAspect="1" noChangeArrowheads="1"/>
+          </p:cNvPicPr>
+          <p:nvPr/>
+        </p:nvPicPr>
+        <p:blipFill>
+          <a:blip r:embed="rId7" cstate="email">
+            <a:extLst>
+              <a:ext uri="{28A0092B-C50C-407E-A947-70E740481C1C}">
+                <a14:useLocalDpi xmlns:a14="http://schemas.microsoft.com/office/drawing/2010/main" val="0"/>
+              </a:ext>
+            </a:extLst>
+          </a:blip>
+          <a:srcRect/>
+          <a:stretch>
+            <a:fillRect/>
+          </a:stretch>
+        </p:blipFill>
+        <p:spPr bwMode="auto">
+          <a:xfrm>
+            <a:off x="5772150" y="3300188"/>
+            <a:ext cx="2400300" cy="1500188"/>
+          </a:xfrm>
+          <a:prstGeom prst="rect">
+            <a:avLst/>
+          </a:prstGeom>
+          <a:noFill/>
+          <a:extLst>
+            <a:ext uri="{909E8E84-426E-40DD-AFC4-6F175D3DCCD1}">
+              <a14:hiddenFill xmlns:a14="http://schemas.microsoft.com/office/drawing/2010/main">
+                <a:solidFill>
+                  <a:srgbClr val="FFFFFF"/>
+                </a:solidFill>
+              </a14:hiddenFill>
+            </a:ext>
+          </a:extLst>
+        </p:spPr>
+      </p:pic>
+      <p:pic>
+        <p:nvPicPr>
+          <p:cNvPr id="3080" name="Picture 8" descr="Z:\GitHub\yabukilab\卒業論文\2012\清水竜吾\別途資料\コミットごとの行数\IMG\グループ分け\2\resque-lines.png"/>
+          <p:cNvPicPr>
+            <a:picLocks noChangeAspect="1" noChangeArrowheads="1"/>
+          </p:cNvPicPr>
+          <p:nvPr/>
+        </p:nvPicPr>
+        <p:blipFill>
+          <a:blip r:embed="rId8" cstate="email">
+            <a:extLst>
+              <a:ext uri="{28A0092B-C50C-407E-A947-70E740481C1C}">
+                <a14:useLocalDpi xmlns:a14="http://schemas.microsoft.com/office/drawing/2010/main" val="0"/>
+              </a:ext>
+            </a:extLst>
+          </a:blip>
+          <a:srcRect/>
+          <a:stretch>
+            <a:fillRect/>
+          </a:stretch>
+        </p:blipFill>
+        <p:spPr bwMode="auto">
+          <a:xfrm>
+            <a:off x="971550" y="4847292"/>
+            <a:ext cx="2400300" cy="1500188"/>
+          </a:xfrm>
+          <a:prstGeom prst="rect">
+            <a:avLst/>
+          </a:prstGeom>
+          <a:noFill/>
+          <a:extLst>
+            <a:ext uri="{909E8E84-426E-40DD-AFC4-6F175D3DCCD1}">
+              <a14:hiddenFill xmlns:a14="http://schemas.microsoft.com/office/drawing/2010/main">
+                <a:solidFill>
+                  <a:srgbClr val="FFFFFF"/>
+                </a:solidFill>
+              </a14:hiddenFill>
+            </a:ext>
+          </a:extLst>
+        </p:spPr>
+      </p:pic>
+      <p:pic>
+        <p:nvPicPr>
+          <p:cNvPr id="3081" name="Picture 9" descr="Z:\GitHub\yabukilab\卒業論文\2012\清水竜吾\別途資料\コミットごとの行数\IMG\グループ分け\2\reveal.js-lines.png"/>
+          <p:cNvPicPr>
+            <a:picLocks noChangeAspect="1" noChangeArrowheads="1"/>
+          </p:cNvPicPr>
+          <p:nvPr/>
+        </p:nvPicPr>
+        <p:blipFill>
+          <a:blip r:embed="rId9" cstate="email">
+            <a:extLst>
+              <a:ext uri="{28A0092B-C50C-407E-A947-70E740481C1C}">
+                <a14:useLocalDpi xmlns:a14="http://schemas.microsoft.com/office/drawing/2010/main" val="0"/>
+              </a:ext>
+            </a:extLst>
+          </a:blip>
+          <a:srcRect/>
+          <a:stretch>
+            <a:fillRect/>
+          </a:stretch>
+        </p:blipFill>
+        <p:spPr bwMode="auto">
+          <a:xfrm>
+            <a:off x="3371850" y="4847292"/>
+            <a:ext cx="2400300" cy="1500188"/>
+          </a:xfrm>
+          <a:prstGeom prst="rect">
+            <a:avLst/>
+          </a:prstGeom>
+          <a:noFill/>
+          <a:extLst>
+            <a:ext uri="{909E8E84-426E-40DD-AFC4-6F175D3DCCD1}">
+              <a14:hiddenFill xmlns:a14="http://schemas.microsoft.com/office/drawing/2010/main">
+                <a:solidFill>
+                  <a:srgbClr val="FFFFFF"/>
+                </a:solidFill>
+              </a14:hiddenFill>
+            </a:ext>
+          </a:extLst>
+        </p:spPr>
+      </p:pic>
+    </p:spTree>
+    <p:extLst>
+      <p:ext uri="{BB962C8B-B14F-4D97-AF65-F5344CB8AC3E}">
+        <p14:creationId xmlns:p14="http://schemas.microsoft.com/office/powerpoint/2010/main" val="385214776"/>
+      </p:ext>
+    </p:extLst>
+  </p:cSld>
+  <p:clrMapOvr>
+    <a:masterClrMapping/>
+  </p:clrMapOvr>
+  <p:transition spd="slow">
+    <p:fade/>
+  </p:transition>
+  <p:timing>
+    <p:tnLst>
+      <p:par>
+        <p:cTn id="1" dur="indefinite" restart="never" nodeType="tmRoot"/>
+      </p:par>
+    </p:tnLst>
+  </p:timing>
+</p:sld>
+</file>
+
+<file path=ppt/slides/slide19.xml><?xml version="1.0" encoding="utf-8"?>
+<p:sld xmlns:a="http://schemas.openxmlformats.org/drawingml/2006/main" xmlns:r="http://schemas.openxmlformats.org/officeDocument/2006/relationships" xmlns:p="http://schemas.openxmlformats.org/presentationml/2006/main">
+  <p:cSld>
+    <p:spTree>
+      <p:nvGrpSpPr>
+        <p:cNvPr id="1" name=""/>
+        <p:cNvGrpSpPr/>
+        <p:nvPr/>
+      </p:nvGrpSpPr>
+      <p:grpSpPr>
+        <a:xfrm>
+          <a:off x="0" y="0"/>
+          <a:ext cx="0" cy="0"/>
+          <a:chOff x="0" y="0"/>
+          <a:chExt cx="0" cy="0"/>
+        </a:xfrm>
+      </p:grpSpPr>
+      <p:sp>
+        <p:nvSpPr>
+          <p:cNvPr id="13" name="Title 1"/>
+          <p:cNvSpPr txBox="1">
+            <a:spLocks/>
+          </p:cNvSpPr>
+          <p:nvPr/>
+        </p:nvSpPr>
+        <p:spPr>
+          <a:xfrm>
+            <a:off x="457200" y="914400"/>
+            <a:ext cx="4648200" cy="914400"/>
+          </a:xfrm>
+          <a:prstGeom prst="rect">
+            <a:avLst/>
+          </a:prstGeom>
+        </p:spPr>
+        <p:txBody>
+          <a:bodyPr vert="horz" lIns="91440" tIns="45720" rIns="91440" bIns="45720" rtlCol="0" anchor="t">
+            <a:normAutofit/>
+          </a:bodyPr>
+          <a:lstStyle>
+            <a:lvl1pPr algn="l" defTabSz="914400" rtl="0" eaLnBrk="1" latinLnBrk="0" hangingPunct="1">
+              <a:spcBef>
+                <a:spcPct val="0"/>
+              </a:spcBef>
+              <a:buNone/>
+              <a:defRPr kumimoji="0" lang="ja-JP" sz="2800" kern="1200">
+                <a:solidFill>
+                  <a:schemeClr val="tx1"/>
+                </a:solidFill>
+                <a:latin typeface="Georgia" pitchFamily="18" charset="0"/>
+                <a:ea typeface="+mj-ea"/>
+                <a:cs typeface="+mj-cs"/>
+              </a:defRPr>
+            </a:lvl1pPr>
+          </a:lstStyle>
+          <a:p>
+            <a:r>
+              <a:rPr kumimoji="1" lang="ja-JP" altLang="en-US" sz="3200" dirty="0" smtClean="0"/>
+              <a:t>パターン３</a:t>
+            </a:r>
+            <a:endParaRPr kumimoji="1" lang="ja-JP" altLang="en-US" sz="3200" dirty="0"/>
+          </a:p>
+        </p:txBody>
+      </p:sp>
+      <p:cxnSp>
+        <p:nvCxnSpPr>
+          <p:cNvPr id="14" name="直線コネクタ 13"/>
+          <p:cNvCxnSpPr/>
+          <p:nvPr/>
+        </p:nvCxnSpPr>
+        <p:spPr>
+          <a:xfrm>
+            <a:off x="611560" y="1484784"/>
+            <a:ext cx="7920880" cy="0"/>
+          </a:xfrm>
+          <a:prstGeom prst="line">
+            <a:avLst/>
+          </a:prstGeom>
+          <a:ln w="63500">
+            <a:gradFill flip="none" rotWithShape="1">
+              <a:gsLst>
+                <a:gs pos="0">
+                  <a:schemeClr val="tx2"/>
+                </a:gs>
+                <a:gs pos="50000">
+                  <a:schemeClr val="accent1">
+                    <a:tint val="44500"/>
+                    <a:satMod val="160000"/>
+                  </a:schemeClr>
+                </a:gs>
+                <a:gs pos="100000">
+                  <a:schemeClr val="accent1">
+                    <a:tint val="23500"/>
+                    <a:satMod val="160000"/>
+                  </a:schemeClr>
+                </a:gs>
+              </a:gsLst>
+              <a:path path="circle">
+                <a:fillToRect r="100000" b="100000"/>
+              </a:path>
+              <a:tileRect l="-100000" t="-100000"/>
+            </a:gradFill>
+          </a:ln>
+          <a:effectLst>
+            <a:outerShdw blurRad="152400" dist="317500" dir="5400000" sx="90000" sy="-19000" rotWithShape="0">
+              <a:srgbClr val="FF0000">
+                <a:alpha val="15000"/>
+              </a:srgbClr>
+            </a:outerShdw>
+          </a:effectLst>
+        </p:spPr>
+        <p:style>
+          <a:lnRef idx="1">
+            <a:schemeClr val="accent1"/>
+          </a:lnRef>
+          <a:fillRef idx="0">
+            <a:schemeClr val="accent1"/>
+          </a:fillRef>
+          <a:effectRef idx="0">
+            <a:schemeClr val="accent1"/>
+          </a:effectRef>
+          <a:fontRef idx="minor">
+            <a:schemeClr val="tx1"/>
+          </a:fontRef>
+        </p:style>
+      </p:cxnSp>
+      <p:pic>
+        <p:nvPicPr>
+          <p:cNvPr id="4098" name="Picture 2" descr="Z:\GitHub\yabukilab\卒業論文\2012\清水竜吾\別途資料\コミットごとの行数\IMG\グループ分け\3\angular.js-lines.png"/>
+          <p:cNvPicPr>
+            <a:picLocks noChangeAspect="1" noChangeArrowheads="1"/>
+          </p:cNvPicPr>
+          <p:nvPr/>
+        </p:nvPicPr>
+        <p:blipFill>
+          <a:blip r:embed="rId2" cstate="email">
+            <a:extLst>
+              <a:ext uri="{28A0092B-C50C-407E-A947-70E740481C1C}">
+                <a14:useLocalDpi xmlns:a14="http://schemas.microsoft.com/office/drawing/2010/main" val="0"/>
+              </a:ext>
+            </a:extLst>
+          </a:blip>
+          <a:srcRect/>
+          <a:stretch>
+            <a:fillRect/>
+          </a:stretch>
+        </p:blipFill>
+        <p:spPr bwMode="auto">
+          <a:xfrm>
+            <a:off x="1067544" y="1828800"/>
+            <a:ext cx="2400300" cy="1500188"/>
+          </a:xfrm>
+          <a:prstGeom prst="rect">
+            <a:avLst/>
+          </a:prstGeom>
+          <a:noFill/>
+          <a:extLst>
+            <a:ext uri="{909E8E84-426E-40DD-AFC4-6F175D3DCCD1}">
+              <a14:hiddenFill xmlns:a14="http://schemas.microsoft.com/office/drawing/2010/main">
+                <a:solidFill>
+                  <a:srgbClr val="FFFFFF"/>
+                </a:solidFill>
+              </a14:hiddenFill>
+            </a:ext>
+          </a:extLst>
+        </p:spPr>
+      </p:pic>
+      <p:pic>
+        <p:nvPicPr>
+          <p:cNvPr id="4099" name="Picture 3" descr="Z:\GitHub\yabukilab\卒業論文\2012\清水竜吾\別途資料\コミットごとの行数\IMG\グループ分け\3\coffee-script-lines.png"/>
+          <p:cNvPicPr>
+            <a:picLocks noChangeAspect="1" noChangeArrowheads="1"/>
+          </p:cNvPicPr>
+          <p:nvPr/>
+        </p:nvPicPr>
+        <p:blipFill>
+          <a:blip r:embed="rId3" cstate="email">
+            <a:extLst>
+              <a:ext uri="{28A0092B-C50C-407E-A947-70E740481C1C}">
+                <a14:useLocalDpi xmlns:a14="http://schemas.microsoft.com/office/drawing/2010/main" val="0"/>
+              </a:ext>
+            </a:extLst>
+          </a:blip>
+          <a:srcRect/>
+          <a:stretch>
+            <a:fillRect/>
+          </a:stretch>
+        </p:blipFill>
+        <p:spPr bwMode="auto">
+          <a:xfrm>
+            <a:off x="3371850" y="1800000"/>
+            <a:ext cx="2400300" cy="1500188"/>
+          </a:xfrm>
+          <a:prstGeom prst="rect">
+            <a:avLst/>
+          </a:prstGeom>
+          <a:noFill/>
+          <a:extLst>
+            <a:ext uri="{909E8E84-426E-40DD-AFC4-6F175D3DCCD1}">
+              <a14:hiddenFill xmlns:a14="http://schemas.microsoft.com/office/drawing/2010/main">
+                <a:solidFill>
+                  <a:srgbClr val="FFFFFF"/>
+                </a:solidFill>
+              </a14:hiddenFill>
+            </a:ext>
+          </a:extLst>
+        </p:spPr>
+      </p:pic>
+      <p:pic>
+        <p:nvPicPr>
+          <p:cNvPr id="4100" name="Picture 4" descr="Z:\GitHub\yabukilab\卒業論文\2012\清水竜吾\別途資料\コミットごとの行数\IMG\グループ分け\3\dashing-lines.png"/>
+          <p:cNvPicPr>
+            <a:picLocks noChangeAspect="1" noChangeArrowheads="1"/>
+          </p:cNvPicPr>
+          <p:nvPr/>
+        </p:nvPicPr>
+        <p:blipFill>
+          <a:blip r:embed="rId4" cstate="email">
+            <a:extLst>
+              <a:ext uri="{28A0092B-C50C-407E-A947-70E740481C1C}">
+                <a14:useLocalDpi xmlns:a14="http://schemas.microsoft.com/office/drawing/2010/main" val="0"/>
+              </a:ext>
+            </a:extLst>
+          </a:blip>
+          <a:srcRect/>
+          <a:stretch>
+            <a:fillRect/>
+          </a:stretch>
+        </p:blipFill>
+        <p:spPr bwMode="auto">
+          <a:xfrm>
+            <a:off x="5772150" y="1828800"/>
+            <a:ext cx="2400300" cy="1500188"/>
+          </a:xfrm>
+          <a:prstGeom prst="rect">
+            <a:avLst/>
+          </a:prstGeom>
+          <a:noFill/>
+          <a:extLst>
+            <a:ext uri="{909E8E84-426E-40DD-AFC4-6F175D3DCCD1}">
+              <a14:hiddenFill xmlns:a14="http://schemas.microsoft.com/office/drawing/2010/main">
+                <a:solidFill>
+                  <a:srgbClr val="FFFFFF"/>
+                </a:solidFill>
+              </a14:hiddenFill>
+            </a:ext>
+          </a:extLst>
+        </p:spPr>
+      </p:pic>
+      <p:pic>
+        <p:nvPicPr>
+          <p:cNvPr id="4101" name="Picture 5" descr="Z:\GitHub\yabukilab\卒業論文\2012\清水竜吾\別途資料\コミットごとの行数\IMG\グループ分け\3\discourse-lines.png"/>
+          <p:cNvPicPr>
+            <a:picLocks noChangeAspect="1" noChangeArrowheads="1"/>
+          </p:cNvPicPr>
+          <p:nvPr/>
+        </p:nvPicPr>
+        <p:blipFill>
+          <a:blip r:embed="rId5" cstate="email">
+            <a:extLst>
+              <a:ext uri="{28A0092B-C50C-407E-A947-70E740481C1C}">
+                <a14:useLocalDpi xmlns:a14="http://schemas.microsoft.com/office/drawing/2010/main" val="0"/>
+              </a:ext>
+            </a:extLst>
+          </a:blip>
+          <a:srcRect/>
+          <a:stretch>
+            <a:fillRect/>
+          </a:stretch>
+        </p:blipFill>
+        <p:spPr bwMode="auto">
+          <a:xfrm>
+            <a:off x="1067544" y="3300188"/>
+            <a:ext cx="2400300" cy="1500188"/>
+          </a:xfrm>
+          <a:prstGeom prst="rect">
+            <a:avLst/>
+          </a:prstGeom>
+          <a:noFill/>
+          <a:extLst>
+            <a:ext uri="{909E8E84-426E-40DD-AFC4-6F175D3DCCD1}">
+              <a14:hiddenFill xmlns:a14="http://schemas.microsoft.com/office/drawing/2010/main">
+                <a:solidFill>
+                  <a:srgbClr val="FFFFFF"/>
+                </a:solidFill>
+              </a14:hiddenFill>
+            </a:ext>
+          </a:extLst>
+        </p:spPr>
+      </p:pic>
+      <p:pic>
+        <p:nvPicPr>
+          <p:cNvPr id="4102" name="Picture 6" descr="Z:\GitHub\yabukilab\卒業論文\2012\清水竜吾\別途資料\コミットごとの行数\IMG\グループ分け\3\jade-lines.png"/>
+          <p:cNvPicPr>
+            <a:picLocks noChangeAspect="1" noChangeArrowheads="1"/>
+          </p:cNvPicPr>
+          <p:nvPr/>
+        </p:nvPicPr>
+        <p:blipFill>
+          <a:blip r:embed="rId6" cstate="email">
+            <a:extLst>
+              <a:ext uri="{28A0092B-C50C-407E-A947-70E740481C1C}">
+                <a14:useLocalDpi xmlns:a14="http://schemas.microsoft.com/office/drawing/2010/main" val="0"/>
+              </a:ext>
+            </a:extLst>
+          </a:blip>
+          <a:srcRect/>
+          <a:stretch>
+            <a:fillRect/>
+          </a:stretch>
+        </p:blipFill>
+        <p:spPr bwMode="auto">
+          <a:xfrm>
+            <a:off x="3371850" y="3300188"/>
+            <a:ext cx="2400300" cy="1500188"/>
+          </a:xfrm>
+          <a:prstGeom prst="rect">
+            <a:avLst/>
+          </a:prstGeom>
+          <a:noFill/>
+          <a:extLst>
+            <a:ext uri="{909E8E84-426E-40DD-AFC4-6F175D3DCCD1}">
+              <a14:hiddenFill xmlns:a14="http://schemas.microsoft.com/office/drawing/2010/main">
+                <a:solidFill>
+                  <a:srgbClr val="FFFFFF"/>
+                </a:solidFill>
+              </a14:hiddenFill>
+            </a:ext>
+          </a:extLst>
+        </p:spPr>
+      </p:pic>
+      <p:pic>
+        <p:nvPicPr>
+          <p:cNvPr id="4103" name="Picture 7" descr="Z:\GitHub\yabukilab\卒業論文\2012\清水竜吾\別途資料\コミットごとの行数\IMG\グループ分け\3\jekyll-lines.png"/>
+          <p:cNvPicPr>
+            <a:picLocks noChangeAspect="1" noChangeArrowheads="1"/>
+          </p:cNvPicPr>
+          <p:nvPr/>
+        </p:nvPicPr>
+        <p:blipFill>
+          <a:blip r:embed="rId7" cstate="email">
+            <a:extLst>
+              <a:ext uri="{28A0092B-C50C-407E-A947-70E740481C1C}">
+                <a14:useLocalDpi xmlns:a14="http://schemas.microsoft.com/office/drawing/2010/main" val="0"/>
+              </a:ext>
+            </a:extLst>
+          </a:blip>
+          <a:srcRect/>
+          <a:stretch>
+            <a:fillRect/>
+          </a:stretch>
+        </p:blipFill>
+        <p:spPr bwMode="auto">
+          <a:xfrm>
+            <a:off x="5772150" y="3300188"/>
+            <a:ext cx="2400300" cy="1500188"/>
+          </a:xfrm>
+          <a:prstGeom prst="rect">
+            <a:avLst/>
+          </a:prstGeom>
+          <a:noFill/>
+          <a:extLst>
+            <a:ext uri="{909E8E84-426E-40DD-AFC4-6F175D3DCCD1}">
+              <a14:hiddenFill xmlns:a14="http://schemas.microsoft.com/office/drawing/2010/main">
+                <a:solidFill>
+                  <a:srgbClr val="FFFFFF"/>
+                </a:solidFill>
+              </a14:hiddenFill>
+            </a:ext>
+          </a:extLst>
+        </p:spPr>
+      </p:pic>
+      <p:pic>
+        <p:nvPicPr>
+          <p:cNvPr id="4104" name="Picture 8" descr="Z:\GitHub\yabukilab\卒業論文\2012\清水竜吾\別途資料\コミットごとの行数\IMG\グループ分け\3\less.js-lines.png"/>
+          <p:cNvPicPr>
+            <a:picLocks noChangeAspect="1" noChangeArrowheads="1"/>
+          </p:cNvPicPr>
+          <p:nvPr/>
+        </p:nvPicPr>
+        <p:blipFill>
+          <a:blip r:embed="rId8" cstate="email">
+            <a:extLst>
+              <a:ext uri="{28A0092B-C50C-407E-A947-70E740481C1C}">
+                <a14:useLocalDpi xmlns:a14="http://schemas.microsoft.com/office/drawing/2010/main" val="0"/>
+              </a:ext>
+            </a:extLst>
+          </a:blip>
+          <a:srcRect/>
+          <a:stretch>
+            <a:fillRect/>
+          </a:stretch>
+        </p:blipFill>
+        <p:spPr bwMode="auto">
+          <a:xfrm>
+            <a:off x="1067544" y="4800376"/>
+            <a:ext cx="2400300" cy="1500188"/>
+          </a:xfrm>
+          <a:prstGeom prst="rect">
+            <a:avLst/>
+          </a:prstGeom>
+          <a:noFill/>
+          <a:extLst>
+            <a:ext uri="{909E8E84-426E-40DD-AFC4-6F175D3DCCD1}">
+              <a14:hiddenFill xmlns:a14="http://schemas.microsoft.com/office/drawing/2010/main">
+                <a:solidFill>
+                  <a:srgbClr val="FFFFFF"/>
+                </a:solidFill>
+              </a14:hiddenFill>
+            </a:ext>
+          </a:extLst>
+        </p:spPr>
+      </p:pic>
+      <p:pic>
+        <p:nvPicPr>
+          <p:cNvPr id="4105" name="Picture 9" descr="Z:\GitHub\yabukilab\卒業論文\2012\清水竜吾\別途資料\コミットごとの行数\IMG\グループ分け\3\node-lines.png"/>
+          <p:cNvPicPr>
+            <a:picLocks noChangeAspect="1" noChangeArrowheads="1"/>
+          </p:cNvPicPr>
+          <p:nvPr/>
+        </p:nvPicPr>
+        <p:blipFill>
+          <a:blip r:embed="rId9" cstate="email">
+            <a:extLst>
+              <a:ext uri="{28A0092B-C50C-407E-A947-70E740481C1C}">
+                <a14:useLocalDpi xmlns:a14="http://schemas.microsoft.com/office/drawing/2010/main" val="0"/>
+              </a:ext>
+            </a:extLst>
+          </a:blip>
+          <a:srcRect/>
+          <a:stretch>
+            <a:fillRect/>
+          </a:stretch>
+        </p:blipFill>
+        <p:spPr bwMode="auto">
+          <a:xfrm>
+            <a:off x="3467844" y="4800376"/>
+            <a:ext cx="2400300" cy="1500188"/>
+          </a:xfrm>
+          <a:prstGeom prst="rect">
+            <a:avLst/>
+          </a:prstGeom>
+          <a:noFill/>
+          <a:extLst>
+            <a:ext uri="{909E8E84-426E-40DD-AFC4-6F175D3DCCD1}">
+              <a14:hiddenFill xmlns:a14="http://schemas.microsoft.com/office/drawing/2010/main">
+                <a:solidFill>
+                  <a:srgbClr val="FFFFFF"/>
+                </a:solidFill>
+              </a14:hiddenFill>
+            </a:ext>
+          </a:extLst>
+        </p:spPr>
+      </p:pic>
+      <p:pic>
+        <p:nvPicPr>
+          <p:cNvPr id="4106" name="Picture 10" descr="Z:\GitHub\yabukilab\卒業論文\2012\清水竜吾\別途資料\コミットごとの行数\IMG\グループ分け\3\nprogress-lines.png"/>
+          <p:cNvPicPr>
+            <a:picLocks noChangeAspect="1" noChangeArrowheads="1"/>
+          </p:cNvPicPr>
+          <p:nvPr/>
+        </p:nvPicPr>
+        <p:blipFill>
+          <a:blip r:embed="rId10" cstate="email">
+            <a:extLst>
+              <a:ext uri="{28A0092B-C50C-407E-A947-70E740481C1C}">
+                <a14:useLocalDpi xmlns:a14="http://schemas.microsoft.com/office/drawing/2010/main" val="0"/>
+              </a:ext>
+            </a:extLst>
+          </a:blip>
+          <a:srcRect/>
+          <a:stretch>
+            <a:fillRect/>
+          </a:stretch>
+        </p:blipFill>
+        <p:spPr bwMode="auto">
+          <a:xfrm>
+            <a:off x="5868144" y="4800376"/>
+            <a:ext cx="2400300" cy="1500188"/>
+          </a:xfrm>
+          <a:prstGeom prst="rect">
+            <a:avLst/>
+          </a:prstGeom>
+          <a:noFill/>
+          <a:extLst>
+            <a:ext uri="{909E8E84-426E-40DD-AFC4-6F175D3DCCD1}">
+              <a14:hiddenFill xmlns:a14="http://schemas.microsoft.com/office/drawing/2010/main">
+                <a:solidFill>
+                  <a:srgbClr val="FFFFFF"/>
+                </a:solidFill>
+              </a14:hiddenFill>
+            </a:ext>
+          </a:extLst>
+        </p:spPr>
+      </p:pic>
+    </p:spTree>
+    <p:extLst>
+      <p:ext uri="{BB962C8B-B14F-4D97-AF65-F5344CB8AC3E}">
+        <p14:creationId xmlns:p14="http://schemas.microsoft.com/office/powerpoint/2010/main" val="2541660754"/>
       </p:ext>
     </p:extLst>
   </p:cSld>
@@ -8895,6 +11706,905 @@
     <p:bldLst>
       <p:bldP spid="3" grpId="0"/>
     </p:bldLst>
+  </p:timing>
+</p:sld>
+</file>
+
+<file path=ppt/slides/slide20.xml><?xml version="1.0" encoding="utf-8"?>
+<p:sld xmlns:a="http://schemas.openxmlformats.org/drawingml/2006/main" xmlns:r="http://schemas.openxmlformats.org/officeDocument/2006/relationships" xmlns:p="http://schemas.openxmlformats.org/presentationml/2006/main">
+  <p:cSld>
+    <p:spTree>
+      <p:nvGrpSpPr>
+        <p:cNvPr id="1" name=""/>
+        <p:cNvGrpSpPr/>
+        <p:nvPr/>
+      </p:nvGrpSpPr>
+      <p:grpSpPr>
+        <a:xfrm>
+          <a:off x="0" y="0"/>
+          <a:ext cx="0" cy="0"/>
+          <a:chOff x="0" y="0"/>
+          <a:chExt cx="0" cy="0"/>
+        </a:xfrm>
+      </p:grpSpPr>
+      <p:sp>
+        <p:nvSpPr>
+          <p:cNvPr id="13" name="Title 1"/>
+          <p:cNvSpPr txBox="1">
+            <a:spLocks/>
+          </p:cNvSpPr>
+          <p:nvPr/>
+        </p:nvSpPr>
+        <p:spPr>
+          <a:xfrm>
+            <a:off x="457200" y="914400"/>
+            <a:ext cx="4648200" cy="914400"/>
+          </a:xfrm>
+          <a:prstGeom prst="rect">
+            <a:avLst/>
+          </a:prstGeom>
+        </p:spPr>
+        <p:txBody>
+          <a:bodyPr vert="horz" lIns="91440" tIns="45720" rIns="91440" bIns="45720" rtlCol="0" anchor="t">
+            <a:normAutofit/>
+          </a:bodyPr>
+          <a:lstStyle>
+            <a:lvl1pPr algn="l" defTabSz="914400" rtl="0" eaLnBrk="1" latinLnBrk="0" hangingPunct="1">
+              <a:spcBef>
+                <a:spcPct val="0"/>
+              </a:spcBef>
+              <a:buNone/>
+              <a:defRPr kumimoji="0" lang="ja-JP" sz="2800" kern="1200">
+                <a:solidFill>
+                  <a:schemeClr val="tx1"/>
+                </a:solidFill>
+                <a:latin typeface="Georgia" pitchFamily="18" charset="0"/>
+                <a:ea typeface="+mj-ea"/>
+                <a:cs typeface="+mj-cs"/>
+              </a:defRPr>
+            </a:lvl1pPr>
+          </a:lstStyle>
+          <a:p>
+            <a:r>
+              <a:rPr kumimoji="1" lang="ja-JP" altLang="en-US" sz="3200" dirty="0" smtClean="0"/>
+              <a:t>パターン３</a:t>
+            </a:r>
+            <a:r>
+              <a:rPr kumimoji="1" lang="ja-JP" altLang="en-US" sz="3200" dirty="0"/>
+              <a:t>②</a:t>
+            </a:r>
+            <a:endParaRPr kumimoji="1" lang="ja-JP" altLang="en-US" sz="3200" dirty="0"/>
+          </a:p>
+        </p:txBody>
+      </p:sp>
+      <p:cxnSp>
+        <p:nvCxnSpPr>
+          <p:cNvPr id="14" name="直線コネクタ 13"/>
+          <p:cNvCxnSpPr/>
+          <p:nvPr/>
+        </p:nvCxnSpPr>
+        <p:spPr>
+          <a:xfrm>
+            <a:off x="611560" y="1484784"/>
+            <a:ext cx="7920880" cy="0"/>
+          </a:xfrm>
+          <a:prstGeom prst="line">
+            <a:avLst/>
+          </a:prstGeom>
+          <a:ln w="63500">
+            <a:gradFill flip="none" rotWithShape="1">
+              <a:gsLst>
+                <a:gs pos="0">
+                  <a:schemeClr val="tx2"/>
+                </a:gs>
+                <a:gs pos="50000">
+                  <a:schemeClr val="accent1">
+                    <a:tint val="44500"/>
+                    <a:satMod val="160000"/>
+                  </a:schemeClr>
+                </a:gs>
+                <a:gs pos="100000">
+                  <a:schemeClr val="accent1">
+                    <a:tint val="23500"/>
+                    <a:satMod val="160000"/>
+                  </a:schemeClr>
+                </a:gs>
+              </a:gsLst>
+              <a:path path="circle">
+                <a:fillToRect r="100000" b="100000"/>
+              </a:path>
+              <a:tileRect l="-100000" t="-100000"/>
+            </a:gradFill>
+          </a:ln>
+          <a:effectLst>
+            <a:outerShdw blurRad="152400" dist="317500" dir="5400000" sx="90000" sy="-19000" rotWithShape="0">
+              <a:srgbClr val="FF0000">
+                <a:alpha val="15000"/>
+              </a:srgbClr>
+            </a:outerShdw>
+          </a:effectLst>
+        </p:spPr>
+        <p:style>
+          <a:lnRef idx="1">
+            <a:schemeClr val="accent1"/>
+          </a:lnRef>
+          <a:fillRef idx="0">
+            <a:schemeClr val="accent1"/>
+          </a:fillRef>
+          <a:effectRef idx="0">
+            <a:schemeClr val="accent1"/>
+          </a:effectRef>
+          <a:fontRef idx="minor">
+            <a:schemeClr val="tx1"/>
+          </a:fontRef>
+        </p:style>
+      </p:cxnSp>
+      <p:pic>
+        <p:nvPicPr>
+          <p:cNvPr id="4107" name="Picture 11" descr="Z:\GitHub\yabukilab\卒業論文\2012\清水竜吾\別途資料\コミットごとの行数\IMG\グループ分け\3\pdf.js-lines.png"/>
+          <p:cNvPicPr>
+            <a:picLocks noChangeAspect="1" noChangeArrowheads="1"/>
+          </p:cNvPicPr>
+          <p:nvPr/>
+        </p:nvPicPr>
+        <p:blipFill>
+          <a:blip r:embed="rId2" cstate="email">
+            <a:extLst>
+              <a:ext uri="{28A0092B-C50C-407E-A947-70E740481C1C}">
+                <a14:useLocalDpi xmlns:a14="http://schemas.microsoft.com/office/drawing/2010/main" val="0"/>
+              </a:ext>
+            </a:extLst>
+          </a:blip>
+          <a:srcRect/>
+          <a:stretch>
+            <a:fillRect/>
+          </a:stretch>
+        </p:blipFill>
+        <p:spPr bwMode="auto">
+          <a:xfrm>
+            <a:off x="971550" y="1828800"/>
+            <a:ext cx="2400300" cy="1500188"/>
+          </a:xfrm>
+          <a:prstGeom prst="rect">
+            <a:avLst/>
+          </a:prstGeom>
+          <a:noFill/>
+          <a:extLst>
+            <a:ext uri="{909E8E84-426E-40DD-AFC4-6F175D3DCCD1}">
+              <a14:hiddenFill xmlns:a14="http://schemas.microsoft.com/office/drawing/2010/main">
+                <a:solidFill>
+                  <a:srgbClr val="FFFFFF"/>
+                </a:solidFill>
+              </a14:hiddenFill>
+            </a:ext>
+          </a:extLst>
+        </p:spPr>
+      </p:pic>
+      <p:pic>
+        <p:nvPicPr>
+          <p:cNvPr id="4108" name="Picture 12" descr="Z:\GitHub\yabukilab\卒業論文\2012\清水竜吾\別途資料\コミットごとの行数\IMG\グループ分け\3\phantomjs-lines.png"/>
+          <p:cNvPicPr>
+            <a:picLocks noChangeAspect="1" noChangeArrowheads="1"/>
+          </p:cNvPicPr>
+          <p:nvPr/>
+        </p:nvPicPr>
+        <p:blipFill>
+          <a:blip r:embed="rId3" cstate="email">
+            <a:extLst>
+              <a:ext uri="{28A0092B-C50C-407E-A947-70E740481C1C}">
+                <a14:useLocalDpi xmlns:a14="http://schemas.microsoft.com/office/drawing/2010/main" val="0"/>
+              </a:ext>
+            </a:extLst>
+          </a:blip>
+          <a:srcRect/>
+          <a:stretch>
+            <a:fillRect/>
+          </a:stretch>
+        </p:blipFill>
+        <p:spPr bwMode="auto">
+          <a:xfrm>
+            <a:off x="3371850" y="1800000"/>
+            <a:ext cx="2400300" cy="1500188"/>
+          </a:xfrm>
+          <a:prstGeom prst="rect">
+            <a:avLst/>
+          </a:prstGeom>
+          <a:noFill/>
+          <a:extLst>
+            <a:ext uri="{909E8E84-426E-40DD-AFC4-6F175D3DCCD1}">
+              <a14:hiddenFill xmlns:a14="http://schemas.microsoft.com/office/drawing/2010/main">
+                <a:solidFill>
+                  <a:srgbClr val="FFFFFF"/>
+                </a:solidFill>
+              </a14:hiddenFill>
+            </a:ext>
+          </a:extLst>
+        </p:spPr>
+      </p:pic>
+      <p:pic>
+        <p:nvPicPr>
+          <p:cNvPr id="4109" name="Picture 13" descr="Z:\GitHub\yabukilab\卒業論文\2012\清水竜吾\別途資料\コミットごとの行数\IMG\グループ分け\3\three.js-lines.png"/>
+          <p:cNvPicPr>
+            <a:picLocks noChangeAspect="1" noChangeArrowheads="1"/>
+          </p:cNvPicPr>
+          <p:nvPr/>
+        </p:nvPicPr>
+        <p:blipFill>
+          <a:blip r:embed="rId4" cstate="email">
+            <a:extLst>
+              <a:ext uri="{28A0092B-C50C-407E-A947-70E740481C1C}">
+                <a14:useLocalDpi xmlns:a14="http://schemas.microsoft.com/office/drawing/2010/main" val="0"/>
+              </a:ext>
+            </a:extLst>
+          </a:blip>
+          <a:srcRect/>
+          <a:stretch>
+            <a:fillRect/>
+          </a:stretch>
+        </p:blipFill>
+        <p:spPr bwMode="auto">
+          <a:xfrm>
+            <a:off x="5772150" y="1828121"/>
+            <a:ext cx="2400300" cy="1500188"/>
+          </a:xfrm>
+          <a:prstGeom prst="rect">
+            <a:avLst/>
+          </a:prstGeom>
+          <a:noFill/>
+          <a:extLst>
+            <a:ext uri="{909E8E84-426E-40DD-AFC4-6F175D3DCCD1}">
+              <a14:hiddenFill xmlns:a14="http://schemas.microsoft.com/office/drawing/2010/main">
+                <a:solidFill>
+                  <a:srgbClr val="FFFFFF"/>
+                </a:solidFill>
+              </a14:hiddenFill>
+            </a:ext>
+          </a:extLst>
+        </p:spPr>
+      </p:pic>
+      <p:pic>
+        <p:nvPicPr>
+          <p:cNvPr id="4110" name="Picture 14" descr="Z:\GitHub\yabukilab\卒業論文\2012\清水竜吾\別途資料\コミットごとの行数\IMG\グループ分け\3\wysihtml5-lines.png"/>
+          <p:cNvPicPr>
+            <a:picLocks noChangeAspect="1" noChangeArrowheads="1"/>
+          </p:cNvPicPr>
+          <p:nvPr/>
+        </p:nvPicPr>
+        <p:blipFill>
+          <a:blip r:embed="rId5" cstate="email">
+            <a:extLst>
+              <a:ext uri="{28A0092B-C50C-407E-A947-70E740481C1C}">
+                <a14:useLocalDpi xmlns:a14="http://schemas.microsoft.com/office/drawing/2010/main" val="0"/>
+              </a:ext>
+            </a:extLst>
+          </a:blip>
+          <a:srcRect/>
+          <a:stretch>
+            <a:fillRect/>
+          </a:stretch>
+        </p:blipFill>
+        <p:spPr bwMode="auto">
+          <a:xfrm>
+            <a:off x="971550" y="3328988"/>
+            <a:ext cx="2400300" cy="1500188"/>
+          </a:xfrm>
+          <a:prstGeom prst="rect">
+            <a:avLst/>
+          </a:prstGeom>
+          <a:noFill/>
+          <a:extLst>
+            <a:ext uri="{909E8E84-426E-40DD-AFC4-6F175D3DCCD1}">
+              <a14:hiddenFill xmlns:a14="http://schemas.microsoft.com/office/drawing/2010/main">
+                <a:solidFill>
+                  <a:srgbClr val="FFFFFF"/>
+                </a:solidFill>
+              </a14:hiddenFill>
+            </a:ext>
+          </a:extLst>
+        </p:spPr>
+      </p:pic>
+    </p:spTree>
+    <p:extLst>
+      <p:ext uri="{BB962C8B-B14F-4D97-AF65-F5344CB8AC3E}">
+        <p14:creationId xmlns:p14="http://schemas.microsoft.com/office/powerpoint/2010/main" val="1503169723"/>
+      </p:ext>
+    </p:extLst>
+  </p:cSld>
+  <p:clrMapOvr>
+    <a:masterClrMapping/>
+  </p:clrMapOvr>
+  <p:transition spd="slow">
+    <p:fade/>
+  </p:transition>
+  <p:timing>
+    <p:tnLst>
+      <p:par>
+        <p:cTn id="1" dur="indefinite" restart="never" nodeType="tmRoot"/>
+      </p:par>
+    </p:tnLst>
+  </p:timing>
+</p:sld>
+</file>
+
+<file path=ppt/slides/slide21.xml><?xml version="1.0" encoding="utf-8"?>
+<p:sld xmlns:a="http://schemas.openxmlformats.org/drawingml/2006/main" xmlns:r="http://schemas.openxmlformats.org/officeDocument/2006/relationships" xmlns:p="http://schemas.openxmlformats.org/presentationml/2006/main">
+  <p:cSld>
+    <p:spTree>
+      <p:nvGrpSpPr>
+        <p:cNvPr id="1" name=""/>
+        <p:cNvGrpSpPr/>
+        <p:nvPr/>
+      </p:nvGrpSpPr>
+      <p:grpSpPr>
+        <a:xfrm>
+          <a:off x="0" y="0"/>
+          <a:ext cx="0" cy="0"/>
+          <a:chOff x="0" y="0"/>
+          <a:chExt cx="0" cy="0"/>
+        </a:xfrm>
+      </p:grpSpPr>
+      <p:sp>
+        <p:nvSpPr>
+          <p:cNvPr id="13" name="Title 1"/>
+          <p:cNvSpPr txBox="1">
+            <a:spLocks/>
+          </p:cNvSpPr>
+          <p:nvPr/>
+        </p:nvSpPr>
+        <p:spPr>
+          <a:xfrm>
+            <a:off x="457200" y="914400"/>
+            <a:ext cx="4648200" cy="914400"/>
+          </a:xfrm>
+          <a:prstGeom prst="rect">
+            <a:avLst/>
+          </a:prstGeom>
+        </p:spPr>
+        <p:txBody>
+          <a:bodyPr vert="horz" lIns="91440" tIns="45720" rIns="91440" bIns="45720" rtlCol="0" anchor="t">
+            <a:normAutofit/>
+          </a:bodyPr>
+          <a:lstStyle>
+            <a:lvl1pPr algn="l" defTabSz="914400" rtl="0" eaLnBrk="1" latinLnBrk="0" hangingPunct="1">
+              <a:spcBef>
+                <a:spcPct val="0"/>
+              </a:spcBef>
+              <a:buNone/>
+              <a:defRPr kumimoji="0" lang="ja-JP" sz="2800" kern="1200">
+                <a:solidFill>
+                  <a:schemeClr val="tx1"/>
+                </a:solidFill>
+                <a:latin typeface="Georgia" pitchFamily="18" charset="0"/>
+                <a:ea typeface="+mj-ea"/>
+                <a:cs typeface="+mj-cs"/>
+              </a:defRPr>
+            </a:lvl1pPr>
+          </a:lstStyle>
+          <a:p>
+            <a:r>
+              <a:rPr kumimoji="1" lang="ja-JP" altLang="en-US" sz="3200" dirty="0" smtClean="0"/>
+              <a:t>パターン４</a:t>
+            </a:r>
+            <a:endParaRPr kumimoji="1" lang="ja-JP" altLang="en-US" sz="3200" dirty="0"/>
+          </a:p>
+        </p:txBody>
+      </p:sp>
+      <p:cxnSp>
+        <p:nvCxnSpPr>
+          <p:cNvPr id="14" name="直線コネクタ 13"/>
+          <p:cNvCxnSpPr/>
+          <p:nvPr/>
+        </p:nvCxnSpPr>
+        <p:spPr>
+          <a:xfrm>
+            <a:off x="611560" y="1484784"/>
+            <a:ext cx="7920880" cy="0"/>
+          </a:xfrm>
+          <a:prstGeom prst="line">
+            <a:avLst/>
+          </a:prstGeom>
+          <a:ln w="63500">
+            <a:gradFill flip="none" rotWithShape="1">
+              <a:gsLst>
+                <a:gs pos="0">
+                  <a:schemeClr val="tx2"/>
+                </a:gs>
+                <a:gs pos="50000">
+                  <a:schemeClr val="accent1">
+                    <a:tint val="44500"/>
+                    <a:satMod val="160000"/>
+                  </a:schemeClr>
+                </a:gs>
+                <a:gs pos="100000">
+                  <a:schemeClr val="accent1">
+                    <a:tint val="23500"/>
+                    <a:satMod val="160000"/>
+                  </a:schemeClr>
+                </a:gs>
+              </a:gsLst>
+              <a:path path="circle">
+                <a:fillToRect r="100000" b="100000"/>
+              </a:path>
+              <a:tileRect l="-100000" t="-100000"/>
+            </a:gradFill>
+          </a:ln>
+          <a:effectLst>
+            <a:outerShdw blurRad="152400" dist="317500" dir="5400000" sx="90000" sy="-19000" rotWithShape="0">
+              <a:srgbClr val="FF0000">
+                <a:alpha val="15000"/>
+              </a:srgbClr>
+            </a:outerShdw>
+          </a:effectLst>
+        </p:spPr>
+        <p:style>
+          <a:lnRef idx="1">
+            <a:schemeClr val="accent1"/>
+          </a:lnRef>
+          <a:fillRef idx="0">
+            <a:schemeClr val="accent1"/>
+          </a:fillRef>
+          <a:effectRef idx="0">
+            <a:schemeClr val="accent1"/>
+          </a:effectRef>
+          <a:fontRef idx="minor">
+            <a:schemeClr val="tx1"/>
+          </a:fontRef>
+        </p:style>
+      </p:cxnSp>
+      <p:pic>
+        <p:nvPicPr>
+          <p:cNvPr id="5122" name="Picture 2" descr="Z:\GitHub\yabukilab\卒業論文\2012\清水竜吾\別途資料\コミットごとの行数\IMG\グループ分け\4\jQuery-File-Upload-lines.png"/>
+          <p:cNvPicPr>
+            <a:picLocks noChangeAspect="1" noChangeArrowheads="1"/>
+          </p:cNvPicPr>
+          <p:nvPr/>
+        </p:nvPicPr>
+        <p:blipFill>
+          <a:blip r:embed="rId2" cstate="email">
+            <a:extLst>
+              <a:ext uri="{28A0092B-C50C-407E-A947-70E740481C1C}">
+                <a14:useLocalDpi xmlns:a14="http://schemas.microsoft.com/office/drawing/2010/main" val="0"/>
+              </a:ext>
+            </a:extLst>
+          </a:blip>
+          <a:srcRect/>
+          <a:stretch>
+            <a:fillRect/>
+          </a:stretch>
+        </p:blipFill>
+        <p:spPr bwMode="auto">
+          <a:xfrm>
+            <a:off x="971550" y="1828800"/>
+            <a:ext cx="2400300" cy="1500188"/>
+          </a:xfrm>
+          <a:prstGeom prst="rect">
+            <a:avLst/>
+          </a:prstGeom>
+          <a:noFill/>
+          <a:extLst>
+            <a:ext uri="{909E8E84-426E-40DD-AFC4-6F175D3DCCD1}">
+              <a14:hiddenFill xmlns:a14="http://schemas.microsoft.com/office/drawing/2010/main">
+                <a:solidFill>
+                  <a:srgbClr val="FFFFFF"/>
+                </a:solidFill>
+              </a14:hiddenFill>
+            </a:ext>
+          </a:extLst>
+        </p:spPr>
+      </p:pic>
+      <p:pic>
+        <p:nvPicPr>
+          <p:cNvPr id="5123" name="Picture 3" descr="Z:\GitHub\yabukilab\卒業論文\2012\清水竜吾\別途資料\コミットごとの行数\IMG\グループ分け\4\ratchet-lines.png"/>
+          <p:cNvPicPr>
+            <a:picLocks noChangeAspect="1" noChangeArrowheads="1"/>
+          </p:cNvPicPr>
+          <p:nvPr/>
+        </p:nvPicPr>
+        <p:blipFill>
+          <a:blip r:embed="rId3" cstate="email">
+            <a:extLst>
+              <a:ext uri="{28A0092B-C50C-407E-A947-70E740481C1C}">
+                <a14:useLocalDpi xmlns:a14="http://schemas.microsoft.com/office/drawing/2010/main" val="0"/>
+              </a:ext>
+            </a:extLst>
+          </a:blip>
+          <a:srcRect/>
+          <a:stretch>
+            <a:fillRect/>
+          </a:stretch>
+        </p:blipFill>
+        <p:spPr bwMode="auto">
+          <a:xfrm>
+            <a:off x="3371850" y="1800000"/>
+            <a:ext cx="2400300" cy="1500188"/>
+          </a:xfrm>
+          <a:prstGeom prst="rect">
+            <a:avLst/>
+          </a:prstGeom>
+          <a:noFill/>
+          <a:extLst>
+            <a:ext uri="{909E8E84-426E-40DD-AFC4-6F175D3DCCD1}">
+              <a14:hiddenFill xmlns:a14="http://schemas.microsoft.com/office/drawing/2010/main">
+                <a:solidFill>
+                  <a:srgbClr val="FFFFFF"/>
+                </a:solidFill>
+              </a14:hiddenFill>
+            </a:ext>
+          </a:extLst>
+        </p:spPr>
+      </p:pic>
+      <p:pic>
+        <p:nvPicPr>
+          <p:cNvPr id="5124" name="Picture 4" descr="Z:\GitHub\yabukilab\卒業論文\2012\清水竜吾\別途資料\コミットごとの行数\IMG\グループ分け\4\skrollr-lines.png"/>
+          <p:cNvPicPr>
+            <a:picLocks noChangeAspect="1" noChangeArrowheads="1"/>
+          </p:cNvPicPr>
+          <p:nvPr/>
+        </p:nvPicPr>
+        <p:blipFill>
+          <a:blip r:embed="rId4" cstate="email">
+            <a:extLst>
+              <a:ext uri="{28A0092B-C50C-407E-A947-70E740481C1C}">
+                <a14:useLocalDpi xmlns:a14="http://schemas.microsoft.com/office/drawing/2010/main" val="0"/>
+              </a:ext>
+            </a:extLst>
+          </a:blip>
+          <a:srcRect/>
+          <a:stretch>
+            <a:fillRect/>
+          </a:stretch>
+        </p:blipFill>
+        <p:spPr bwMode="auto">
+          <a:xfrm>
+            <a:off x="5772150" y="1828800"/>
+            <a:ext cx="2400300" cy="1500188"/>
+          </a:xfrm>
+          <a:prstGeom prst="rect">
+            <a:avLst/>
+          </a:prstGeom>
+          <a:noFill/>
+          <a:extLst>
+            <a:ext uri="{909E8E84-426E-40DD-AFC4-6F175D3DCCD1}">
+              <a14:hiddenFill xmlns:a14="http://schemas.microsoft.com/office/drawing/2010/main">
+                <a:solidFill>
+                  <a:srgbClr val="FFFFFF"/>
+                </a:solidFill>
+              </a14:hiddenFill>
+            </a:ext>
+          </a:extLst>
+        </p:spPr>
+      </p:pic>
+      <p:pic>
+        <p:nvPicPr>
+          <p:cNvPr id="5125" name="Picture 5" descr="Z:\GitHub\yabukilab\卒業論文\2012\清水竜吾\別途資料\コミットごとの行数\IMG\グループ分け\4\typeahead.js-lines.png"/>
+          <p:cNvPicPr>
+            <a:picLocks noChangeAspect="1" noChangeArrowheads="1"/>
+          </p:cNvPicPr>
+          <p:nvPr/>
+        </p:nvPicPr>
+        <p:blipFill>
+          <a:blip r:embed="rId5" cstate="email">
+            <a:extLst>
+              <a:ext uri="{28A0092B-C50C-407E-A947-70E740481C1C}">
+                <a14:useLocalDpi xmlns:a14="http://schemas.microsoft.com/office/drawing/2010/main" val="0"/>
+              </a:ext>
+            </a:extLst>
+          </a:blip>
+          <a:srcRect/>
+          <a:stretch>
+            <a:fillRect/>
+          </a:stretch>
+        </p:blipFill>
+        <p:spPr bwMode="auto">
+          <a:xfrm>
+            <a:off x="971550" y="3300188"/>
+            <a:ext cx="2400300" cy="1500188"/>
+          </a:xfrm>
+          <a:prstGeom prst="rect">
+            <a:avLst/>
+          </a:prstGeom>
+          <a:noFill/>
+          <a:extLst>
+            <a:ext uri="{909E8E84-426E-40DD-AFC4-6F175D3DCCD1}">
+              <a14:hiddenFill xmlns:a14="http://schemas.microsoft.com/office/drawing/2010/main">
+                <a:solidFill>
+                  <a:srgbClr val="FFFFFF"/>
+                </a:solidFill>
+              </a14:hiddenFill>
+            </a:ext>
+          </a:extLst>
+        </p:spPr>
+      </p:pic>
+    </p:spTree>
+    <p:extLst>
+      <p:ext uri="{BB962C8B-B14F-4D97-AF65-F5344CB8AC3E}">
+        <p14:creationId xmlns:p14="http://schemas.microsoft.com/office/powerpoint/2010/main" val="1599454882"/>
+      </p:ext>
+    </p:extLst>
+  </p:cSld>
+  <p:clrMapOvr>
+    <a:masterClrMapping/>
+  </p:clrMapOvr>
+  <p:transition spd="slow">
+    <p:fade/>
+  </p:transition>
+  <p:timing>
+    <p:tnLst>
+      <p:par>
+        <p:cTn id="1" dur="indefinite" restart="never" nodeType="tmRoot"/>
+      </p:par>
+    </p:tnLst>
+  </p:timing>
+</p:sld>
+</file>
+
+<file path=ppt/slides/slide22.xml><?xml version="1.0" encoding="utf-8"?>
+<p:sld xmlns:a="http://schemas.openxmlformats.org/drawingml/2006/main" xmlns:r="http://schemas.openxmlformats.org/officeDocument/2006/relationships" xmlns:p="http://schemas.openxmlformats.org/presentationml/2006/main">
+  <p:cSld>
+    <p:spTree>
+      <p:nvGrpSpPr>
+        <p:cNvPr id="1" name=""/>
+        <p:cNvGrpSpPr/>
+        <p:nvPr/>
+      </p:nvGrpSpPr>
+      <p:grpSpPr>
+        <a:xfrm>
+          <a:off x="0" y="0"/>
+          <a:ext cx="0" cy="0"/>
+          <a:chOff x="0" y="0"/>
+          <a:chExt cx="0" cy="0"/>
+        </a:xfrm>
+      </p:grpSpPr>
+      <p:sp>
+        <p:nvSpPr>
+          <p:cNvPr id="13" name="Title 1"/>
+          <p:cNvSpPr txBox="1">
+            <a:spLocks/>
+          </p:cNvSpPr>
+          <p:nvPr/>
+        </p:nvSpPr>
+        <p:spPr>
+          <a:xfrm>
+            <a:off x="457200" y="914400"/>
+            <a:ext cx="4648200" cy="914400"/>
+          </a:xfrm>
+          <a:prstGeom prst="rect">
+            <a:avLst/>
+          </a:prstGeom>
+        </p:spPr>
+        <p:txBody>
+          <a:bodyPr vert="horz" lIns="91440" tIns="45720" rIns="91440" bIns="45720" rtlCol="0" anchor="t">
+            <a:normAutofit/>
+          </a:bodyPr>
+          <a:lstStyle>
+            <a:lvl1pPr algn="l" defTabSz="914400" rtl="0" eaLnBrk="1" latinLnBrk="0" hangingPunct="1">
+              <a:spcBef>
+                <a:spcPct val="0"/>
+              </a:spcBef>
+              <a:buNone/>
+              <a:defRPr kumimoji="0" lang="ja-JP" sz="2800" kern="1200">
+                <a:solidFill>
+                  <a:schemeClr val="tx1"/>
+                </a:solidFill>
+                <a:latin typeface="Georgia" pitchFamily="18" charset="0"/>
+                <a:ea typeface="+mj-ea"/>
+                <a:cs typeface="+mj-cs"/>
+              </a:defRPr>
+            </a:lvl1pPr>
+          </a:lstStyle>
+          <a:p>
+            <a:r>
+              <a:rPr kumimoji="1" lang="ja-JP" altLang="en-US" sz="3200" dirty="0" smtClean="0"/>
+              <a:t>その他</a:t>
+            </a:r>
+            <a:endParaRPr kumimoji="1" lang="ja-JP" altLang="en-US" sz="3200" dirty="0"/>
+          </a:p>
+        </p:txBody>
+      </p:sp>
+      <p:cxnSp>
+        <p:nvCxnSpPr>
+          <p:cNvPr id="14" name="直線コネクタ 13"/>
+          <p:cNvCxnSpPr/>
+          <p:nvPr/>
+        </p:nvCxnSpPr>
+        <p:spPr>
+          <a:xfrm>
+            <a:off x="611560" y="1484784"/>
+            <a:ext cx="7920880" cy="0"/>
+          </a:xfrm>
+          <a:prstGeom prst="line">
+            <a:avLst/>
+          </a:prstGeom>
+          <a:ln w="63500">
+            <a:gradFill flip="none" rotWithShape="1">
+              <a:gsLst>
+                <a:gs pos="0">
+                  <a:schemeClr val="tx2"/>
+                </a:gs>
+                <a:gs pos="50000">
+                  <a:schemeClr val="accent1">
+                    <a:tint val="44500"/>
+                    <a:satMod val="160000"/>
+                  </a:schemeClr>
+                </a:gs>
+                <a:gs pos="100000">
+                  <a:schemeClr val="accent1">
+                    <a:tint val="23500"/>
+                    <a:satMod val="160000"/>
+                  </a:schemeClr>
+                </a:gs>
+              </a:gsLst>
+              <a:path path="circle">
+                <a:fillToRect r="100000" b="100000"/>
+              </a:path>
+              <a:tileRect l="-100000" t="-100000"/>
+            </a:gradFill>
+          </a:ln>
+          <a:effectLst>
+            <a:outerShdw blurRad="152400" dist="317500" dir="5400000" sx="90000" sy="-19000" rotWithShape="0">
+              <a:srgbClr val="FF0000">
+                <a:alpha val="15000"/>
+              </a:srgbClr>
+            </a:outerShdw>
+          </a:effectLst>
+        </p:spPr>
+        <p:style>
+          <a:lnRef idx="1">
+            <a:schemeClr val="accent1"/>
+          </a:lnRef>
+          <a:fillRef idx="0">
+            <a:schemeClr val="accent1"/>
+          </a:fillRef>
+          <a:effectRef idx="0">
+            <a:schemeClr val="accent1"/>
+          </a:effectRef>
+          <a:fontRef idx="minor">
+            <a:schemeClr val="tx1"/>
+          </a:fontRef>
+        </p:style>
+      </p:cxnSp>
+      <p:pic>
+        <p:nvPicPr>
+          <p:cNvPr id="6146" name="Picture 2" descr="Z:\GitHub\yabukilab\卒業論文\2012\清水竜吾\別途資料\コミットごとの行数\IMG\グループ分け\grunt-lines.png"/>
+          <p:cNvPicPr>
+            <a:picLocks noChangeAspect="1" noChangeArrowheads="1"/>
+          </p:cNvPicPr>
+          <p:nvPr/>
+        </p:nvPicPr>
+        <p:blipFill>
+          <a:blip r:embed="rId2" cstate="email">
+            <a:extLst>
+              <a:ext uri="{28A0092B-C50C-407E-A947-70E740481C1C}">
+                <a14:useLocalDpi xmlns:a14="http://schemas.microsoft.com/office/drawing/2010/main" val="0"/>
+              </a:ext>
+            </a:extLst>
+          </a:blip>
+          <a:srcRect/>
+          <a:stretch>
+            <a:fillRect/>
+          </a:stretch>
+        </p:blipFill>
+        <p:spPr bwMode="auto">
+          <a:xfrm>
+            <a:off x="971550" y="1828800"/>
+            <a:ext cx="2400300" cy="1500188"/>
+          </a:xfrm>
+          <a:prstGeom prst="rect">
+            <a:avLst/>
+          </a:prstGeom>
+          <a:noFill/>
+          <a:extLst>
+            <a:ext uri="{909E8E84-426E-40DD-AFC4-6F175D3DCCD1}">
+              <a14:hiddenFill xmlns:a14="http://schemas.microsoft.com/office/drawing/2010/main">
+                <a:solidFill>
+                  <a:srgbClr val="FFFFFF"/>
+                </a:solidFill>
+              </a14:hiddenFill>
+            </a:ext>
+          </a:extLst>
+        </p:spPr>
+      </p:pic>
+      <p:pic>
+        <p:nvPicPr>
+          <p:cNvPr id="6147" name="Picture 3" descr="Z:\GitHub\yabukilab\卒業論文\2012\清水竜吾\別途資料\コミットごとの行数\IMG\グループ分け\Modernizr-lines.png"/>
+          <p:cNvPicPr>
+            <a:picLocks noChangeAspect="1" noChangeArrowheads="1"/>
+          </p:cNvPicPr>
+          <p:nvPr/>
+        </p:nvPicPr>
+        <p:blipFill>
+          <a:blip r:embed="rId3" cstate="email">
+            <a:extLst>
+              <a:ext uri="{28A0092B-C50C-407E-A947-70E740481C1C}">
+                <a14:useLocalDpi xmlns:a14="http://schemas.microsoft.com/office/drawing/2010/main" val="0"/>
+              </a:ext>
+            </a:extLst>
+          </a:blip>
+          <a:srcRect/>
+          <a:stretch>
+            <a:fillRect/>
+          </a:stretch>
+        </p:blipFill>
+        <p:spPr bwMode="auto">
+          <a:xfrm>
+            <a:off x="3371850" y="1800000"/>
+            <a:ext cx="2400300" cy="1500188"/>
+          </a:xfrm>
+          <a:prstGeom prst="rect">
+            <a:avLst/>
+          </a:prstGeom>
+          <a:noFill/>
+          <a:extLst>
+            <a:ext uri="{909E8E84-426E-40DD-AFC4-6F175D3DCCD1}">
+              <a14:hiddenFill xmlns:a14="http://schemas.microsoft.com/office/drawing/2010/main">
+                <a:solidFill>
+                  <a:srgbClr val="FFFFFF"/>
+                </a:solidFill>
+              </a14:hiddenFill>
+            </a:ext>
+          </a:extLst>
+        </p:spPr>
+      </p:pic>
+      <p:pic>
+        <p:nvPicPr>
+          <p:cNvPr id="6148" name="Picture 4" descr="Z:\GitHub\yabukilab\卒業論文\2012\清水竜吾\別途資料\コミットごとの行数\IMG\グループ分け\mustache.js-lines.png"/>
+          <p:cNvPicPr>
+            <a:picLocks noChangeAspect="1" noChangeArrowheads="1"/>
+          </p:cNvPicPr>
+          <p:nvPr/>
+        </p:nvPicPr>
+        <p:blipFill>
+          <a:blip r:embed="rId4" cstate="email">
+            <a:extLst>
+              <a:ext uri="{28A0092B-C50C-407E-A947-70E740481C1C}">
+                <a14:useLocalDpi xmlns:a14="http://schemas.microsoft.com/office/drawing/2010/main" val="0"/>
+              </a:ext>
+            </a:extLst>
+          </a:blip>
+          <a:srcRect/>
+          <a:stretch>
+            <a:fillRect/>
+          </a:stretch>
+        </p:blipFill>
+        <p:spPr bwMode="auto">
+          <a:xfrm>
+            <a:off x="5772150" y="1828800"/>
+            <a:ext cx="2400300" cy="1500188"/>
+          </a:xfrm>
+          <a:prstGeom prst="rect">
+            <a:avLst/>
+          </a:prstGeom>
+          <a:noFill/>
+          <a:extLst>
+            <a:ext uri="{909E8E84-426E-40DD-AFC4-6F175D3DCCD1}">
+              <a14:hiddenFill xmlns:a14="http://schemas.microsoft.com/office/drawing/2010/main">
+                <a:solidFill>
+                  <a:srgbClr val="FFFFFF"/>
+                </a:solidFill>
+              </a14:hiddenFill>
+            </a:ext>
+          </a:extLst>
+        </p:spPr>
+      </p:pic>
+    </p:spTree>
+    <p:extLst>
+      <p:ext uri="{BB962C8B-B14F-4D97-AF65-F5344CB8AC3E}">
+        <p14:creationId xmlns:p14="http://schemas.microsoft.com/office/powerpoint/2010/main" val="2442128600"/>
+      </p:ext>
+    </p:extLst>
+  </p:cSld>
+  <p:clrMapOvr>
+    <a:masterClrMapping/>
+  </p:clrMapOvr>
+  <p:transition spd="slow">
+    <p:fade/>
+  </p:transition>
+  <p:timing>
+    <p:tnLst>
+      <p:par>
+        <p:cTn id="1" dur="indefinite" restart="never" nodeType="tmRoot"/>
+      </p:par>
+    </p:tnLst>
   </p:timing>
 </p:sld>
 </file>
